--- a/pyspark.pptx
+++ b/pyspark.pptx
@@ -5,37 +5,38 @@
     <p:sldMasterId id="2147483648" r:id="rId1"/>
   </p:sldMasterIdLst>
   <p:notesMasterIdLst>
-    <p:notesMasterId r:id="rId17"/>
+    <p:notesMasterId r:id="rId18"/>
   </p:notesMasterIdLst>
   <p:handoutMasterIdLst>
-    <p:handoutMasterId r:id="rId18"/>
+    <p:handoutMasterId r:id="rId19"/>
   </p:handoutMasterIdLst>
   <p:sldIdLst>
     <p:sldId id="299" r:id="rId2"/>
     <p:sldId id="354" r:id="rId3"/>
-    <p:sldId id="346" r:id="rId4"/>
-    <p:sldId id="347" r:id="rId5"/>
-    <p:sldId id="348" r:id="rId6"/>
-    <p:sldId id="349" r:id="rId7"/>
-    <p:sldId id="355" r:id="rId8"/>
-    <p:sldId id="314" r:id="rId9"/>
-    <p:sldId id="350" r:id="rId10"/>
-    <p:sldId id="352" r:id="rId11"/>
-    <p:sldId id="353" r:id="rId12"/>
-    <p:sldId id="356" r:id="rId13"/>
-    <p:sldId id="357" r:id="rId14"/>
-    <p:sldId id="330" r:id="rId15"/>
-    <p:sldId id="345" r:id="rId16"/>
+    <p:sldId id="330" r:id="rId4"/>
+    <p:sldId id="346" r:id="rId5"/>
+    <p:sldId id="347" r:id="rId6"/>
+    <p:sldId id="348" r:id="rId7"/>
+    <p:sldId id="349" r:id="rId8"/>
+    <p:sldId id="355" r:id="rId9"/>
+    <p:sldId id="314" r:id="rId10"/>
+    <p:sldId id="350" r:id="rId11"/>
+    <p:sldId id="352" r:id="rId12"/>
+    <p:sldId id="353" r:id="rId13"/>
+    <p:sldId id="356" r:id="rId14"/>
+    <p:sldId id="357" r:id="rId15"/>
+    <p:sldId id="358" r:id="rId16"/>
+    <p:sldId id="345" r:id="rId17"/>
   </p:sldIdLst>
   <p:sldSz cx="12192000" cy="6858000"/>
   <p:notesSz cx="6858000" cy="9144000"/>
   <p:embeddedFontLst>
     <p:embeddedFont>
       <p:font typeface="Roboto" panose="02000000000000000000" pitchFamily="2" charset="0"/>
-      <p:regular r:id="rId19"/>
-      <p:bold r:id="rId20"/>
-      <p:italic r:id="rId21"/>
-      <p:boldItalic r:id="rId22"/>
+      <p:regular r:id="rId20"/>
+      <p:bold r:id="rId21"/>
+      <p:italic r:id="rId22"/>
+      <p:boldItalic r:id="rId23"/>
     </p:embeddedFont>
   </p:embeddedFontLst>
   <p:defaultTextStyle>
@@ -274,6 +275,7 @@
           <p14:sldIdLst>
             <p14:sldId id="299"/>
             <p14:sldId id="354"/>
+            <p14:sldId id="330"/>
             <p14:sldId id="346"/>
             <p14:sldId id="347"/>
             <p14:sldId id="348"/>
@@ -285,11 +287,11 @@
             <p14:sldId id="353"/>
             <p14:sldId id="356"/>
             <p14:sldId id="357"/>
+            <p14:sldId id="358"/>
           </p14:sldIdLst>
         </p14:section>
         <p14:section name="Agradecimento" id="{B5869D9F-13B0-4AC3-82FF-F6148AD6F92F}">
           <p14:sldIdLst>
-            <p14:sldId id="330"/>
             <p14:sldId id="345"/>
           </p14:sldIdLst>
         </p14:section>
@@ -302,7 +304,7 @@
       <p15:notesGuideLst xmlns:p15="http://schemas.microsoft.com/office/powerpoint/2012/main"/>
     </p:ext>
     <p:ext uri="GoogleSlidesCustomDataVersion2">
-      <go:slidesCustomData xmlns="" xmlns:go="http://customooxmlschemas.google.com/" xmlns:ahyp="http://schemas.microsoft.com/office/drawing/2018/hyperlinkcolor" xmlns:p15="http://schemas.microsoft.com/office/powerpoint/2012/main" xmlns:p14="http://schemas.microsoft.com/office/powerpoint/2010/main" xmlns:com="http://schemas.openxmlformats.org/drawingml/2006/compatibility" xmlns:pvml="urn:schemas-microsoft-com:office:powerpoint" xmlns:v="urn:schemas-microsoft-com:vml" xmlns:o="urn:schemas-microsoft-com:office:office" xmlns:dgm="http://schemas.openxmlformats.org/drawingml/2006/diagram" xmlns:c="http://schemas.openxmlformats.org/drawingml/2006/chart" xmlns:mv="urn:schemas-microsoft-com:mac:vml" xmlns:mc="http://schemas.openxmlformats.org/markup-compatibility/2006" r:id="rId64" roundtripDataSignature="AMtx7miRoRS6ew+C7HQrmck30kFP1h0kNg=="/>
+      <go:slidesCustomData xmlns:mc="http://schemas.openxmlformats.org/markup-compatibility/2006" xmlns:mv="urn:schemas-microsoft-com:mac:vml" xmlns:c="http://schemas.openxmlformats.org/drawingml/2006/chart" xmlns:dgm="http://schemas.openxmlformats.org/drawingml/2006/diagram" xmlns:o="urn:schemas-microsoft-com:office:office" xmlns:v="urn:schemas-microsoft-com:vml" xmlns:pvml="urn:schemas-microsoft-com:office:powerpoint" xmlns:com="http://schemas.openxmlformats.org/drawingml/2006/compatibility" xmlns:p14="http://schemas.microsoft.com/office/powerpoint/2010/main" xmlns:p15="http://schemas.microsoft.com/office/powerpoint/2012/main" xmlns:ahyp="http://schemas.microsoft.com/office/drawing/2018/hyperlinkcolor" xmlns:go="http://customooxmlschemas.google.com/" xmlns="" r:id="rId64" roundtripDataSignature="AMtx7miRoRS6ew+C7HQrmck30kFP1h0kNg=="/>
     </p:ext>
   </p:extLst>
 </p:presentation>
@@ -311,7 +313,7 @@
 <file path=ppt/revisionInfo.xml><?xml version="1.0" encoding="utf-8"?>
 <p1510:revInfo xmlns:a="http://schemas.openxmlformats.org/drawingml/2006/main" xmlns:r="http://schemas.openxmlformats.org/officeDocument/2006/relationships" xmlns:p1510="http://schemas.microsoft.com/office/powerpoint/2015/10/main">
   <p1510:revLst>
-    <p1510:client id="{5124738D-ECCF-4122-8AD2-8A1C67848E5D}" v="20" dt="2024-11-01T22:27:04.048"/>
+    <p1510:client id="{5124738D-ECCF-4122-8AD2-8A1C67848E5D}" v="95" dt="2024-11-01T23:03:22.659"/>
   </p1510:revLst>
 </p1510:revInfo>
 </file>
@@ -321,10 +323,137 @@
   <pc:docChgLst>
     <pc:chgData name="Bello, Samuel" userId="4ec441cd-8f9a-42ca-a558-84dc1fc29a1b" providerId="ADAL" clId="{5124738D-ECCF-4122-8AD2-8A1C67848E5D}"/>
     <pc:docChg chg="undo custSel addSld delSld modSld sldOrd modSection">
-      <pc:chgData name="Bello, Samuel" userId="4ec441cd-8f9a-42ca-a558-84dc1fc29a1b" providerId="ADAL" clId="{5124738D-ECCF-4122-8AD2-8A1C67848E5D}" dt="2024-11-01T22:28:05.102" v="490" actId="20577"/>
+      <pc:chgData name="Bello, Samuel" userId="4ec441cd-8f9a-42ca-a558-84dc1fc29a1b" providerId="ADAL" clId="{5124738D-ECCF-4122-8AD2-8A1C67848E5D}" dt="2024-11-01T23:03:22.658" v="730" actId="1076"/>
       <pc:docMkLst>
         <pc:docMk/>
       </pc:docMkLst>
+      <pc:sldChg chg="addSp delSp modSp mod ord">
+        <pc:chgData name="Bello, Samuel" userId="4ec441cd-8f9a-42ca-a558-84dc1fc29a1b" providerId="ADAL" clId="{5124738D-ECCF-4122-8AD2-8A1C67848E5D}" dt="2024-11-01T22:57:24.178" v="641" actId="20577"/>
+        <pc:sldMkLst>
+          <pc:docMk/>
+          <pc:sldMk cId="790737639" sldId="330"/>
+        </pc:sldMkLst>
+        <pc:spChg chg="mod">
+          <ac:chgData name="Bello, Samuel" userId="4ec441cd-8f9a-42ca-a558-84dc1fc29a1b" providerId="ADAL" clId="{5124738D-ECCF-4122-8AD2-8A1C67848E5D}" dt="2024-11-01T22:57:24.178" v="641" actId="20577"/>
+          <ac:spMkLst>
+            <pc:docMk/>
+            <pc:sldMk cId="790737639" sldId="330"/>
+            <ac:spMk id="5" creationId="{C458CC27-4F48-04D5-AD1E-85B7D66922DC}"/>
+          </ac:spMkLst>
+        </pc:spChg>
+        <pc:spChg chg="add del mod">
+          <ac:chgData name="Bello, Samuel" userId="4ec441cd-8f9a-42ca-a558-84dc1fc29a1b" providerId="ADAL" clId="{5124738D-ECCF-4122-8AD2-8A1C67848E5D}" dt="2024-11-01T22:57:11.247" v="638" actId="931"/>
+          <ac:spMkLst>
+            <pc:docMk/>
+            <pc:sldMk cId="790737639" sldId="330"/>
+            <ac:spMk id="16" creationId="{342BCA60-DD79-1152-CB01-3FA4280C2742}"/>
+          </ac:spMkLst>
+        </pc:spChg>
+        <pc:picChg chg="del">
+          <ac:chgData name="Bello, Samuel" userId="4ec441cd-8f9a-42ca-a558-84dc1fc29a1b" providerId="ADAL" clId="{5124738D-ECCF-4122-8AD2-8A1C67848E5D}" dt="2024-11-01T22:51:42.483" v="559" actId="478"/>
+          <ac:picMkLst>
+            <pc:docMk/>
+            <pc:sldMk cId="790737639" sldId="330"/>
+            <ac:picMk id="2" creationId="{0C2FBC0C-897D-54D0-38E0-7736BB79BF58}"/>
+          </ac:picMkLst>
+        </pc:picChg>
+        <pc:picChg chg="del">
+          <ac:chgData name="Bello, Samuel" userId="4ec441cd-8f9a-42ca-a558-84dc1fc29a1b" providerId="ADAL" clId="{5124738D-ECCF-4122-8AD2-8A1C67848E5D}" dt="2024-11-01T22:51:41.251" v="558" actId="478"/>
+          <ac:picMkLst>
+            <pc:docMk/>
+            <pc:sldMk cId="790737639" sldId="330"/>
+            <ac:picMk id="3" creationId="{969A2E51-6531-04CD-EB01-CA52DA7CBEB0}"/>
+          </ac:picMkLst>
+        </pc:picChg>
+        <pc:picChg chg="del">
+          <ac:chgData name="Bello, Samuel" userId="4ec441cd-8f9a-42ca-a558-84dc1fc29a1b" providerId="ADAL" clId="{5124738D-ECCF-4122-8AD2-8A1C67848E5D}" dt="2024-11-01T22:52:06.994" v="575" actId="478"/>
+          <ac:picMkLst>
+            <pc:docMk/>
+            <pc:sldMk cId="790737639" sldId="330"/>
+            <ac:picMk id="4" creationId="{50A8FAAC-4F10-A29D-9C33-C6CE1A0DD4C8}"/>
+          </ac:picMkLst>
+        </pc:picChg>
+        <pc:picChg chg="del">
+          <ac:chgData name="Bello, Samuel" userId="4ec441cd-8f9a-42ca-a558-84dc1fc29a1b" providerId="ADAL" clId="{5124738D-ECCF-4122-8AD2-8A1C67848E5D}" dt="2024-11-01T22:56:02.254" v="637" actId="478"/>
+          <ac:picMkLst>
+            <pc:docMk/>
+            <pc:sldMk cId="790737639" sldId="330"/>
+            <ac:picMk id="6" creationId="{A3CBAAB4-E2D4-E871-26FD-404BF9F99AC0}"/>
+          </ac:picMkLst>
+        </pc:picChg>
+        <pc:picChg chg="add mod">
+          <ac:chgData name="Bello, Samuel" userId="4ec441cd-8f9a-42ca-a558-84dc1fc29a1b" providerId="ADAL" clId="{5124738D-ECCF-4122-8AD2-8A1C67848E5D}" dt="2024-11-01T22:52:22.953" v="580" actId="1076"/>
+          <ac:picMkLst>
+            <pc:docMk/>
+            <pc:sldMk cId="790737639" sldId="330"/>
+            <ac:picMk id="7" creationId="{4D236EB9-4CF6-80FE-0CDB-BA7CA3FD0305}"/>
+          </ac:picMkLst>
+        </pc:picChg>
+        <pc:picChg chg="del">
+          <ac:chgData name="Bello, Samuel" userId="4ec441cd-8f9a-42ca-a558-84dc1fc29a1b" providerId="ADAL" clId="{5124738D-ECCF-4122-8AD2-8A1C67848E5D}" dt="2024-11-01T22:52:28.740" v="582" actId="478"/>
+          <ac:picMkLst>
+            <pc:docMk/>
+            <pc:sldMk cId="790737639" sldId="330"/>
+            <ac:picMk id="8" creationId="{179DA7D1-54DD-0D85-2CF4-42C1D2036F7E}"/>
+          </ac:picMkLst>
+        </pc:picChg>
+        <pc:picChg chg="del">
+          <ac:chgData name="Bello, Samuel" userId="4ec441cd-8f9a-42ca-a558-84dc1fc29a1b" providerId="ADAL" clId="{5124738D-ECCF-4122-8AD2-8A1C67848E5D}" dt="2024-11-01T22:52:27.377" v="581" actId="478"/>
+          <ac:picMkLst>
+            <pc:docMk/>
+            <pc:sldMk cId="790737639" sldId="330"/>
+            <ac:picMk id="9" creationId="{2CFEAC86-CBE2-E5DC-60CF-13477DCEF720}"/>
+          </ac:picMkLst>
+        </pc:picChg>
+        <pc:picChg chg="add mod">
+          <ac:chgData name="Bello, Samuel" userId="4ec441cd-8f9a-42ca-a558-84dc1fc29a1b" providerId="ADAL" clId="{5124738D-ECCF-4122-8AD2-8A1C67848E5D}" dt="2024-11-01T22:53:28.026" v="591" actId="1076"/>
+          <ac:picMkLst>
+            <pc:docMk/>
+            <pc:sldMk cId="790737639" sldId="330"/>
+            <ac:picMk id="11" creationId="{7B1D9636-E052-E2A7-23E4-3F86966BB333}"/>
+          </ac:picMkLst>
+        </pc:picChg>
+        <pc:picChg chg="add mod">
+          <ac:chgData name="Bello, Samuel" userId="4ec441cd-8f9a-42ca-a558-84dc1fc29a1b" providerId="ADAL" clId="{5124738D-ECCF-4122-8AD2-8A1C67848E5D}" dt="2024-11-01T22:53:21.713" v="590" actId="1076"/>
+          <ac:picMkLst>
+            <pc:docMk/>
+            <pc:sldMk cId="790737639" sldId="330"/>
+            <ac:picMk id="13" creationId="{A72E5364-2B9D-296A-BF44-1592CF6719F9}"/>
+          </ac:picMkLst>
+        </pc:picChg>
+        <pc:picChg chg="del">
+          <ac:chgData name="Bello, Samuel" userId="4ec441cd-8f9a-42ca-a558-84dc1fc29a1b" providerId="ADAL" clId="{5124738D-ECCF-4122-8AD2-8A1C67848E5D}" dt="2024-11-01T22:52:29.924" v="583" actId="478"/>
+          <ac:picMkLst>
+            <pc:docMk/>
+            <pc:sldMk cId="790737639" sldId="330"/>
+            <ac:picMk id="14" creationId="{A6923F13-DF1A-3582-D3CE-C2C917E56BAD}"/>
+          </ac:picMkLst>
+        </pc:picChg>
+        <pc:picChg chg="add mod">
+          <ac:chgData name="Bello, Samuel" userId="4ec441cd-8f9a-42ca-a558-84dc1fc29a1b" providerId="ADAL" clId="{5124738D-ECCF-4122-8AD2-8A1C67848E5D}" dt="2024-11-01T22:57:13.259" v="639" actId="27614"/>
+          <ac:picMkLst>
+            <pc:docMk/>
+            <pc:sldMk cId="790737639" sldId="330"/>
+            <ac:picMk id="18" creationId="{784C4845-BE98-B5E2-3E1D-233DBB762457}"/>
+          </ac:picMkLst>
+        </pc:picChg>
+        <pc:picChg chg="add del mod">
+          <ac:chgData name="Bello, Samuel" userId="4ec441cd-8f9a-42ca-a558-84dc1fc29a1b" providerId="ADAL" clId="{5124738D-ECCF-4122-8AD2-8A1C67848E5D}" dt="2024-11-01T22:55:01.924" v="603" actId="478"/>
+          <ac:picMkLst>
+            <pc:docMk/>
+            <pc:sldMk cId="790737639" sldId="330"/>
+            <ac:picMk id="2050" creationId="{3C2F44D6-8316-27F2-2735-F1BF9E72E1A9}"/>
+          </ac:picMkLst>
+        </pc:picChg>
+        <pc:picChg chg="add mod">
+          <ac:chgData name="Bello, Samuel" userId="4ec441cd-8f9a-42ca-a558-84dc1fc29a1b" providerId="ADAL" clId="{5124738D-ECCF-4122-8AD2-8A1C67848E5D}" dt="2024-11-01T22:55:43.042" v="611" actId="1076"/>
+          <ac:picMkLst>
+            <pc:docMk/>
+            <pc:sldMk cId="790737639" sldId="330"/>
+            <ac:picMk id="2052" creationId="{A4A5B260-B683-F54A-2E63-B8632B24FBC7}"/>
+          </ac:picMkLst>
+        </pc:picChg>
+      </pc:sldChg>
       <pc:sldChg chg="modSp mod">
         <pc:chgData name="Bello, Samuel" userId="4ec441cd-8f9a-42ca-a558-84dc1fc29a1b" providerId="ADAL" clId="{5124738D-ECCF-4122-8AD2-8A1C67848E5D}" dt="2024-11-01T21:42:29.324" v="0" actId="20577"/>
         <pc:sldMkLst>
@@ -512,13 +641,13 @@
         </pc:sldMkLst>
       </pc:sldChg>
       <pc:sldChg chg="addSp delSp modSp add mod">
-        <pc:chgData name="Bello, Samuel" userId="4ec441cd-8f9a-42ca-a558-84dc1fc29a1b" providerId="ADAL" clId="{5124738D-ECCF-4122-8AD2-8A1C67848E5D}" dt="2024-11-01T22:28:05.102" v="490" actId="20577"/>
+        <pc:chgData name="Bello, Samuel" userId="4ec441cd-8f9a-42ca-a558-84dc1fc29a1b" providerId="ADAL" clId="{5124738D-ECCF-4122-8AD2-8A1C67848E5D}" dt="2024-11-01T23:03:22.658" v="730" actId="1076"/>
         <pc:sldMkLst>
           <pc:docMk/>
           <pc:sldMk cId="3987789723" sldId="357"/>
         </pc:sldMkLst>
         <pc:spChg chg="add mod">
-          <ac:chgData name="Bello, Samuel" userId="4ec441cd-8f9a-42ca-a558-84dc1fc29a1b" providerId="ADAL" clId="{5124738D-ECCF-4122-8AD2-8A1C67848E5D}" dt="2024-11-01T22:28:05.102" v="490" actId="20577"/>
+          <ac:chgData name="Bello, Samuel" userId="4ec441cd-8f9a-42ca-a558-84dc1fc29a1b" providerId="ADAL" clId="{5124738D-ECCF-4122-8AD2-8A1C67848E5D}" dt="2024-11-01T23:02:55.355" v="724" actId="1076"/>
           <ac:spMkLst>
             <pc:docMk/>
             <pc:sldMk cId="3987789723" sldId="357"/>
@@ -526,7 +655,7 @@
           </ac:spMkLst>
         </pc:spChg>
         <pc:spChg chg="add mod">
-          <ac:chgData name="Bello, Samuel" userId="4ec441cd-8f9a-42ca-a558-84dc1fc29a1b" providerId="ADAL" clId="{5124738D-ECCF-4122-8AD2-8A1C67848E5D}" dt="2024-11-01T22:25:42.547" v="314" actId="20577"/>
+          <ac:chgData name="Bello, Samuel" userId="4ec441cd-8f9a-42ca-a558-84dc1fc29a1b" providerId="ADAL" clId="{5124738D-ECCF-4122-8AD2-8A1C67848E5D}" dt="2024-11-01T23:02:55.355" v="724" actId="1076"/>
           <ac:spMkLst>
             <pc:docMk/>
             <pc:sldMk cId="3987789723" sldId="357"/>
@@ -534,7 +663,7 @@
           </ac:spMkLst>
         </pc:spChg>
         <pc:spChg chg="add mod">
-          <ac:chgData name="Bello, Samuel" userId="4ec441cd-8f9a-42ca-a558-84dc1fc29a1b" providerId="ADAL" clId="{5124738D-ECCF-4122-8AD2-8A1C67848E5D}" dt="2024-11-01T22:26:25.581" v="376" actId="20577"/>
+          <ac:chgData name="Bello, Samuel" userId="4ec441cd-8f9a-42ca-a558-84dc1fc29a1b" providerId="ADAL" clId="{5124738D-ECCF-4122-8AD2-8A1C67848E5D}" dt="2024-11-01T23:02:55.355" v="724" actId="1076"/>
           <ac:spMkLst>
             <pc:docMk/>
             <pc:sldMk cId="3987789723" sldId="357"/>
@@ -542,7 +671,7 @@
           </ac:spMkLst>
         </pc:spChg>
         <pc:spChg chg="add mod">
-          <ac:chgData name="Bello, Samuel" userId="4ec441cd-8f9a-42ca-a558-84dc1fc29a1b" providerId="ADAL" clId="{5124738D-ECCF-4122-8AD2-8A1C67848E5D}" dt="2024-11-01T22:27:39.327" v="480" actId="20577"/>
+          <ac:chgData name="Bello, Samuel" userId="4ec441cd-8f9a-42ca-a558-84dc1fc29a1b" providerId="ADAL" clId="{5124738D-ECCF-4122-8AD2-8A1C67848E5D}" dt="2024-11-01T23:02:55.355" v="724" actId="1076"/>
           <ac:spMkLst>
             <pc:docMk/>
             <pc:sldMk cId="3987789723" sldId="357"/>
@@ -550,7 +679,7 @@
           </ac:spMkLst>
         </pc:spChg>
         <pc:spChg chg="add mod">
-          <ac:chgData name="Bello, Samuel" userId="4ec441cd-8f9a-42ca-a558-84dc1fc29a1b" providerId="ADAL" clId="{5124738D-ECCF-4122-8AD2-8A1C67848E5D}" dt="2024-11-01T22:27:35.102" v="479" actId="20577"/>
+          <ac:chgData name="Bello, Samuel" userId="4ec441cd-8f9a-42ca-a558-84dc1fc29a1b" providerId="ADAL" clId="{5124738D-ECCF-4122-8AD2-8A1C67848E5D}" dt="2024-11-01T23:02:55.355" v="724" actId="1076"/>
           <ac:spMkLst>
             <pc:docMk/>
             <pc:sldMk cId="3987789723" sldId="357"/>
@@ -565,6 +694,234 @@
             <ac:picMk id="6" creationId="{F0BBCF5A-B1BD-51B0-82E8-9407FB25BDB2}"/>
           </ac:picMkLst>
         </pc:picChg>
+        <pc:picChg chg="add mod">
+          <ac:chgData name="Bello, Samuel" userId="4ec441cd-8f9a-42ca-a558-84dc1fc29a1b" providerId="ADAL" clId="{5124738D-ECCF-4122-8AD2-8A1C67848E5D}" dt="2024-11-01T23:03:22.658" v="730" actId="1076"/>
+          <ac:picMkLst>
+            <pc:docMk/>
+            <pc:sldMk cId="3987789723" sldId="357"/>
+            <ac:picMk id="3074" creationId="{1AEDFF7A-4861-1E21-501B-A749B08A70FA}"/>
+          </ac:picMkLst>
+        </pc:picChg>
+      </pc:sldChg>
+      <pc:sldChg chg="addSp delSp modSp new mod">
+        <pc:chgData name="Bello, Samuel" userId="4ec441cd-8f9a-42ca-a558-84dc1fc29a1b" providerId="ADAL" clId="{5124738D-ECCF-4122-8AD2-8A1C67848E5D}" dt="2024-11-01T23:00:59.594" v="716" actId="18131"/>
+        <pc:sldMkLst>
+          <pc:docMk/>
+          <pc:sldMk cId="1603901304" sldId="358"/>
+        </pc:sldMkLst>
+        <pc:spChg chg="del">
+          <ac:chgData name="Bello, Samuel" userId="4ec441cd-8f9a-42ca-a558-84dc1fc29a1b" providerId="ADAL" clId="{5124738D-ECCF-4122-8AD2-8A1C67848E5D}" dt="2024-11-01T23:00:44.913" v="711" actId="931"/>
+          <ac:spMkLst>
+            <pc:docMk/>
+            <pc:sldMk cId="1603901304" sldId="358"/>
+            <ac:spMk id="2" creationId="{BBD4B86D-6F68-9BBC-E10C-13E80F5FD599}"/>
+          </ac:spMkLst>
+        </pc:spChg>
+        <pc:spChg chg="mod">
+          <ac:chgData name="Bello, Samuel" userId="4ec441cd-8f9a-42ca-a558-84dc1fc29a1b" providerId="ADAL" clId="{5124738D-ECCF-4122-8AD2-8A1C67848E5D}" dt="2024-11-01T22:58:49.108" v="709" actId="20577"/>
+          <ac:spMkLst>
+            <pc:docMk/>
+            <pc:sldMk cId="1603901304" sldId="358"/>
+            <ac:spMk id="3" creationId="{42059D40-485B-03D0-1D39-90FBEAB73DDB}"/>
+          </ac:spMkLst>
+        </pc:spChg>
+        <pc:spChg chg="mod">
+          <ac:chgData name="Bello, Samuel" userId="4ec441cd-8f9a-42ca-a558-84dc1fc29a1b" providerId="ADAL" clId="{5124738D-ECCF-4122-8AD2-8A1C67848E5D}" dt="2024-11-01T22:58:43.538" v="692" actId="20577"/>
+          <ac:spMkLst>
+            <pc:docMk/>
+            <pc:sldMk cId="1603901304" sldId="358"/>
+            <ac:spMk id="4" creationId="{5151B56F-F004-38A2-02A3-7AEA966AB98B}"/>
+          </ac:spMkLst>
+        </pc:spChg>
+        <pc:picChg chg="add mod">
+          <ac:chgData name="Bello, Samuel" userId="4ec441cd-8f9a-42ca-a558-84dc1fc29a1b" providerId="ADAL" clId="{5124738D-ECCF-4122-8AD2-8A1C67848E5D}" dt="2024-11-01T22:59:02.650" v="710"/>
+          <ac:picMkLst>
+            <pc:docMk/>
+            <pc:sldMk cId="1603901304" sldId="358"/>
+            <ac:picMk id="5" creationId="{99572DB6-EC67-A61B-F689-AD3F60A16503}"/>
+          </ac:picMkLst>
+        </pc:picChg>
+        <pc:picChg chg="add mod">
+          <ac:chgData name="Bello, Samuel" userId="4ec441cd-8f9a-42ca-a558-84dc1fc29a1b" providerId="ADAL" clId="{5124738D-ECCF-4122-8AD2-8A1C67848E5D}" dt="2024-11-01T22:59:02.650" v="710"/>
+          <ac:picMkLst>
+            <pc:docMk/>
+            <pc:sldMk cId="1603901304" sldId="358"/>
+            <ac:picMk id="6" creationId="{65CA9440-7BD5-121F-B0B4-930679A8FE19}"/>
+          </ac:picMkLst>
+        </pc:picChg>
+        <pc:picChg chg="add mod">
+          <ac:chgData name="Bello, Samuel" userId="4ec441cd-8f9a-42ca-a558-84dc1fc29a1b" providerId="ADAL" clId="{5124738D-ECCF-4122-8AD2-8A1C67848E5D}" dt="2024-11-01T22:59:02.650" v="710"/>
+          <ac:picMkLst>
+            <pc:docMk/>
+            <pc:sldMk cId="1603901304" sldId="358"/>
+            <ac:picMk id="7" creationId="{2BC5ED51-2968-B059-41DC-CFD70C47000D}"/>
+          </ac:picMkLst>
+        </pc:picChg>
+        <pc:picChg chg="add mod">
+          <ac:chgData name="Bello, Samuel" userId="4ec441cd-8f9a-42ca-a558-84dc1fc29a1b" providerId="ADAL" clId="{5124738D-ECCF-4122-8AD2-8A1C67848E5D}" dt="2024-11-01T22:59:02.650" v="710"/>
+          <ac:picMkLst>
+            <pc:docMk/>
+            <pc:sldMk cId="1603901304" sldId="358"/>
+            <ac:picMk id="8" creationId="{4A453C97-697C-9429-C2DD-39110D51E7C8}"/>
+          </ac:picMkLst>
+        </pc:picChg>
+        <pc:picChg chg="add mod">
+          <ac:chgData name="Bello, Samuel" userId="4ec441cd-8f9a-42ca-a558-84dc1fc29a1b" providerId="ADAL" clId="{5124738D-ECCF-4122-8AD2-8A1C67848E5D}" dt="2024-11-01T22:59:02.650" v="710"/>
+          <ac:picMkLst>
+            <pc:docMk/>
+            <pc:sldMk cId="1603901304" sldId="358"/>
+            <ac:picMk id="9" creationId="{9827197E-2492-81BD-6608-CA22CFF502E6}"/>
+          </ac:picMkLst>
+        </pc:picChg>
+        <pc:picChg chg="add mod">
+          <ac:chgData name="Bello, Samuel" userId="4ec441cd-8f9a-42ca-a558-84dc1fc29a1b" providerId="ADAL" clId="{5124738D-ECCF-4122-8AD2-8A1C67848E5D}" dt="2024-11-01T22:59:02.650" v="710"/>
+          <ac:picMkLst>
+            <pc:docMk/>
+            <pc:sldMk cId="1603901304" sldId="358"/>
+            <ac:picMk id="10" creationId="{53457A8B-6E3C-4D97-D9AE-818A6F96B548}"/>
+          </ac:picMkLst>
+        </pc:picChg>
+        <pc:picChg chg="add mod modCrop">
+          <ac:chgData name="Bello, Samuel" userId="4ec441cd-8f9a-42ca-a558-84dc1fc29a1b" providerId="ADAL" clId="{5124738D-ECCF-4122-8AD2-8A1C67848E5D}" dt="2024-11-01T23:00:59.594" v="716" actId="18131"/>
+          <ac:picMkLst>
+            <pc:docMk/>
+            <pc:sldMk cId="1603901304" sldId="358"/>
+            <ac:picMk id="12" creationId="{5469DF87-638D-4B47-B702-D3C2639E9D1B}"/>
+          </ac:picMkLst>
+        </pc:picChg>
+      </pc:sldChg>
+      <pc:sldChg chg="addSp delSp modSp new del mod">
+        <pc:chgData name="Bello, Samuel" userId="4ec441cd-8f9a-42ca-a558-84dc1fc29a1b" providerId="ADAL" clId="{5124738D-ECCF-4122-8AD2-8A1C67848E5D}" dt="2024-11-01T22:53:49.598" v="592" actId="47"/>
+        <pc:sldMkLst>
+          <pc:docMk/>
+          <pc:sldMk cId="1777370344" sldId="358"/>
+        </pc:sldMkLst>
+        <pc:spChg chg="del">
+          <ac:chgData name="Bello, Samuel" userId="4ec441cd-8f9a-42ca-a558-84dc1fc29a1b" providerId="ADAL" clId="{5124738D-ECCF-4122-8AD2-8A1C67848E5D}" dt="2024-11-01T22:44:22.721" v="492" actId="478"/>
+          <ac:spMkLst>
+            <pc:docMk/>
+            <pc:sldMk cId="1777370344" sldId="358"/>
+            <ac:spMk id="2" creationId="{4DFA6AC3-BE10-16D8-0ED2-B6F5FA368515}"/>
+          </ac:spMkLst>
+        </pc:spChg>
+        <pc:spChg chg="del">
+          <ac:chgData name="Bello, Samuel" userId="4ec441cd-8f9a-42ca-a558-84dc1fc29a1b" providerId="ADAL" clId="{5124738D-ECCF-4122-8AD2-8A1C67848E5D}" dt="2024-11-01T22:44:22.721" v="492" actId="478"/>
+          <ac:spMkLst>
+            <pc:docMk/>
+            <pc:sldMk cId="1777370344" sldId="358"/>
+            <ac:spMk id="3" creationId="{88FCFC64-5BAF-9EF2-4475-9BE00D8ACDCC}"/>
+          </ac:spMkLst>
+        </pc:spChg>
+        <pc:spChg chg="del">
+          <ac:chgData name="Bello, Samuel" userId="4ec441cd-8f9a-42ca-a558-84dc1fc29a1b" providerId="ADAL" clId="{5124738D-ECCF-4122-8AD2-8A1C67848E5D}" dt="2024-11-01T22:44:22.721" v="492" actId="478"/>
+          <ac:spMkLst>
+            <pc:docMk/>
+            <pc:sldMk cId="1777370344" sldId="358"/>
+            <ac:spMk id="4" creationId="{6B9DA31B-DD63-8B8A-CA6E-12A4872F75EE}"/>
+          </ac:spMkLst>
+        </pc:spChg>
+        <pc:spChg chg="add del">
+          <ac:chgData name="Bello, Samuel" userId="4ec441cd-8f9a-42ca-a558-84dc1fc29a1b" providerId="ADAL" clId="{5124738D-ECCF-4122-8AD2-8A1C67848E5D}" dt="2024-11-01T22:46:21.622" v="500" actId="478"/>
+          <ac:spMkLst>
+            <pc:docMk/>
+            <pc:sldMk cId="1777370344" sldId="358"/>
+            <ac:spMk id="5" creationId="{E4B61E92-9553-9D0A-D084-4142EDC0D51B}"/>
+          </ac:spMkLst>
+        </pc:spChg>
+        <pc:spChg chg="add del">
+          <ac:chgData name="Bello, Samuel" userId="4ec441cd-8f9a-42ca-a558-84dc1fc29a1b" providerId="ADAL" clId="{5124738D-ECCF-4122-8AD2-8A1C67848E5D}" dt="2024-11-01T22:46:28.456" v="502" actId="478"/>
+          <ac:spMkLst>
+            <pc:docMk/>
+            <pc:sldMk cId="1777370344" sldId="358"/>
+            <ac:spMk id="6" creationId="{EAA274D2-6240-5791-7128-6F7BBA4ABC31}"/>
+          </ac:spMkLst>
+        </pc:spChg>
+        <pc:grpChg chg="add mod">
+          <ac:chgData name="Bello, Samuel" userId="4ec441cd-8f9a-42ca-a558-84dc1fc29a1b" providerId="ADAL" clId="{5124738D-ECCF-4122-8AD2-8A1C67848E5D}" dt="2024-11-01T22:49:28.425" v="536" actId="1076"/>
+          <ac:grpSpMkLst>
+            <pc:docMk/>
+            <pc:sldMk cId="1777370344" sldId="358"/>
+            <ac:grpSpMk id="9" creationId="{12F7046E-4786-D15B-E4CE-E51A806395EA}"/>
+          </ac:grpSpMkLst>
+        </pc:grpChg>
+        <pc:grpChg chg="add mod">
+          <ac:chgData name="Bello, Samuel" userId="4ec441cd-8f9a-42ca-a558-84dc1fc29a1b" providerId="ADAL" clId="{5124738D-ECCF-4122-8AD2-8A1C67848E5D}" dt="2024-11-01T22:50:03.641" v="540" actId="1076"/>
+          <ac:grpSpMkLst>
+            <pc:docMk/>
+            <pc:sldMk cId="1777370344" sldId="358"/>
+            <ac:grpSpMk id="12" creationId="{D15668B5-6089-6A1D-C413-905C417EB060}"/>
+          </ac:grpSpMkLst>
+        </pc:grpChg>
+        <pc:picChg chg="add mod">
+          <ac:chgData name="Bello, Samuel" userId="4ec441cd-8f9a-42ca-a558-84dc1fc29a1b" providerId="ADAL" clId="{5124738D-ECCF-4122-8AD2-8A1C67848E5D}" dt="2024-11-01T22:49:28.425" v="536" actId="1076"/>
+          <ac:picMkLst>
+            <pc:docMk/>
+            <pc:sldMk cId="1777370344" sldId="358"/>
+            <ac:picMk id="8" creationId="{8A1C9D03-07BA-1282-CFCC-B007FD1EDE91}"/>
+          </ac:picMkLst>
+        </pc:picChg>
+        <pc:picChg chg="add mod">
+          <ac:chgData name="Bello, Samuel" userId="4ec441cd-8f9a-42ca-a558-84dc1fc29a1b" providerId="ADAL" clId="{5124738D-ECCF-4122-8AD2-8A1C67848E5D}" dt="2024-11-01T22:50:03.641" v="540" actId="1076"/>
+          <ac:picMkLst>
+            <pc:docMk/>
+            <pc:sldMk cId="1777370344" sldId="358"/>
+            <ac:picMk id="11" creationId="{DCD58FC5-069F-F49C-DE25-0285335A6144}"/>
+          </ac:picMkLst>
+        </pc:picChg>
+        <pc:picChg chg="add mod">
+          <ac:chgData name="Bello, Samuel" userId="4ec441cd-8f9a-42ca-a558-84dc1fc29a1b" providerId="ADAL" clId="{5124738D-ECCF-4122-8AD2-8A1C67848E5D}" dt="2024-11-01T22:50:57.056" v="548" actId="1076"/>
+          <ac:picMkLst>
+            <pc:docMk/>
+            <pc:sldMk cId="1777370344" sldId="358"/>
+            <ac:picMk id="14" creationId="{80F9470B-A937-33ED-25C7-EF4C7AE8A35D}"/>
+          </ac:picMkLst>
+        </pc:picChg>
+        <pc:picChg chg="add del mod">
+          <ac:chgData name="Bello, Samuel" userId="4ec441cd-8f9a-42ca-a558-84dc1fc29a1b" providerId="ADAL" clId="{5124738D-ECCF-4122-8AD2-8A1C67848E5D}" dt="2024-11-01T22:49:28.425" v="536" actId="1076"/>
+          <ac:picMkLst>
+            <pc:docMk/>
+            <pc:sldMk cId="1777370344" sldId="358"/>
+            <ac:picMk id="1026" creationId="{5E03B790-3A29-85ED-786B-8FE8028A504E}"/>
+          </ac:picMkLst>
+        </pc:picChg>
+        <pc:picChg chg="add mod">
+          <ac:chgData name="Bello, Samuel" userId="4ec441cd-8f9a-42ca-a558-84dc1fc29a1b" providerId="ADAL" clId="{5124738D-ECCF-4122-8AD2-8A1C67848E5D}" dt="2024-11-01T22:50:57.056" v="548" actId="1076"/>
+          <ac:picMkLst>
+            <pc:docMk/>
+            <pc:sldMk cId="1777370344" sldId="358"/>
+            <ac:picMk id="1032" creationId="{B6C3195C-B4D2-4380-0B98-1E356B3B1399}"/>
+          </ac:picMkLst>
+        </pc:picChg>
+        <pc:picChg chg="add mod">
+          <ac:chgData name="Bello, Samuel" userId="4ec441cd-8f9a-42ca-a558-84dc1fc29a1b" providerId="ADAL" clId="{5124738D-ECCF-4122-8AD2-8A1C67848E5D}" dt="2024-11-01T22:50:03.641" v="540" actId="1076"/>
+          <ac:picMkLst>
+            <pc:docMk/>
+            <pc:sldMk cId="1777370344" sldId="358"/>
+            <ac:picMk id="1034" creationId="{B40B00F7-86A9-A60B-4DD8-497C17BEA6B0}"/>
+          </ac:picMkLst>
+        </pc:picChg>
+      </pc:sldChg>
+      <pc:sldChg chg="modSp add del mod ord">
+        <pc:chgData name="Bello, Samuel" userId="4ec441cd-8f9a-42ca-a558-84dc1fc29a1b" providerId="ADAL" clId="{5124738D-ECCF-4122-8AD2-8A1C67848E5D}" dt="2024-11-01T22:51:29.695" v="557" actId="47"/>
+        <pc:sldMkLst>
+          <pc:docMk/>
+          <pc:sldMk cId="729689396" sldId="359"/>
+        </pc:sldMkLst>
+        <pc:spChg chg="mod">
+          <ac:chgData name="Bello, Samuel" userId="4ec441cd-8f9a-42ca-a558-84dc1fc29a1b" providerId="ADAL" clId="{5124738D-ECCF-4122-8AD2-8A1C67848E5D}" dt="2024-11-01T22:51:18.292" v="553" actId="1076"/>
+          <ac:spMkLst>
+            <pc:docMk/>
+            <pc:sldMk cId="729689396" sldId="359"/>
+            <ac:spMk id="5" creationId="{C62EE5A0-D087-8EBD-883A-F079F512F5BA}"/>
+          </ac:spMkLst>
+        </pc:spChg>
+      </pc:sldChg>
+      <pc:sldChg chg="add del">
+        <pc:chgData name="Bello, Samuel" userId="4ec441cd-8f9a-42ca-a558-84dc1fc29a1b" providerId="ADAL" clId="{5124738D-ECCF-4122-8AD2-8A1C67848E5D}" dt="2024-11-01T22:58:18.993" v="642" actId="47"/>
+        <pc:sldMkLst>
+          <pc:docMk/>
+          <pc:sldMk cId="4260991199" sldId="360"/>
+        </pc:sldMkLst>
       </pc:sldChg>
     </pc:docChg>
   </pc:docChgLst>
@@ -23630,6 +23987,486 @@
         <p:cNvPr id="1" name="">
           <a:extLst>
             <a:ext uri="{FF2B5EF4-FFF2-40B4-BE49-F238E27FC236}">
+              <a16:creationId xmlns:a16="http://schemas.microsoft.com/office/drawing/2014/main" id="{1F5C65E6-44DF-5186-67B2-6762B3590BD3}"/>
+            </a:ext>
+          </a:extLst>
+        </p:cNvPr>
+        <p:cNvGrpSpPr/>
+        <p:nvPr/>
+      </p:nvGrpSpPr>
+      <p:grpSpPr>
+        <a:xfrm>
+          <a:off x="0" y="0"/>
+          <a:ext cx="0" cy="0"/>
+          <a:chOff x="0" y="0"/>
+          <a:chExt cx="0" cy="0"/>
+        </a:xfrm>
+      </p:grpSpPr>
+      <p:pic>
+        <p:nvPicPr>
+          <p:cNvPr id="8" name="Espaço Reservado para Imagem 7" descr="Homem com a mão no queixo&#10;&#10;Descrição gerada automaticamente com confiança baixa">
+            <a:extLst>
+              <a:ext uri="{FF2B5EF4-FFF2-40B4-BE49-F238E27FC236}">
+                <a16:creationId xmlns:a16="http://schemas.microsoft.com/office/drawing/2014/main" id="{973E427C-6A18-42CE-6DE7-0C67429A11EB}"/>
+              </a:ext>
+            </a:extLst>
+          </p:cNvPr>
+          <p:cNvPicPr>
+            <a:picLocks noGrp="1" noChangeAspect="1"/>
+          </p:cNvPicPr>
+          <p:nvPr>
+            <p:ph type="pic" idx="20"/>
+          </p:nvPr>
+        </p:nvPicPr>
+        <p:blipFill>
+          <a:blip r:embed="rId2"/>
+          <a:srcRect l="1927" r="10178" b="1"/>
+          <a:stretch/>
+        </p:blipFill>
+        <p:spPr>
+          <a:xfrm>
+            <a:off x="550863" y="549276"/>
+            <a:ext cx="5545137" cy="6308725"/>
+          </a:xfrm>
+          <a:noFill/>
+        </p:spPr>
+      </p:pic>
+      <p:sp>
+        <p:nvSpPr>
+          <p:cNvPr id="2" name="Text Placeholder 1">
+            <a:extLst>
+              <a:ext uri="{FF2B5EF4-FFF2-40B4-BE49-F238E27FC236}">
+                <a16:creationId xmlns:a16="http://schemas.microsoft.com/office/drawing/2014/main" id="{79D5B3BE-6BCE-42BD-CF3C-18627AC8DAFA}"/>
+              </a:ext>
+            </a:extLst>
+          </p:cNvPr>
+          <p:cNvSpPr>
+            <a:spLocks noGrp="1"/>
+          </p:cNvSpPr>
+          <p:nvPr>
+            <p:ph type="body" sz="quarter" idx="21"/>
+          </p:nvPr>
+        </p:nvSpPr>
+        <p:spPr>
+          <a:xfrm>
+            <a:off x="6573518" y="552520"/>
+            <a:ext cx="5067620" cy="451802"/>
+          </a:xfrm>
+        </p:spPr>
+        <p:txBody>
+          <a:bodyPr>
+            <a:normAutofit fontScale="92500"/>
+          </a:bodyPr>
+          <a:lstStyle/>
+          <a:p>
+            <a:pPr>
+              <a:lnSpc>
+                <a:spcPct val="90000"/>
+              </a:lnSpc>
+              <a:spcAft>
+                <a:spcPts val="600"/>
+              </a:spcAft>
+            </a:pPr>
+            <a:r>
+              <a:rPr lang="en-US" dirty="0"/>
+              <a:t>O que é um </a:t>
+            </a:r>
+            <a:r>
+              <a:rPr lang="en-US" dirty="0" err="1"/>
+              <a:t>Dataframe</a:t>
+            </a:r>
+            <a:r>
+              <a:rPr lang="en-US" dirty="0"/>
+              <a:t> Spark?</a:t>
+            </a:r>
+          </a:p>
+        </p:txBody>
+      </p:sp>
+      <p:sp>
+        <p:nvSpPr>
+          <p:cNvPr id="13" name="Text Placeholder 3">
+            <a:extLst>
+              <a:ext uri="{FF2B5EF4-FFF2-40B4-BE49-F238E27FC236}">
+                <a16:creationId xmlns:a16="http://schemas.microsoft.com/office/drawing/2014/main" id="{7EF30E87-02D2-1F8C-43B8-D1501C93CCF9}"/>
+              </a:ext>
+            </a:extLst>
+          </p:cNvPr>
+          <p:cNvSpPr>
+            <a:spLocks noGrp="1"/>
+          </p:cNvSpPr>
+          <p:nvPr>
+            <p:ph type="body" sz="quarter" idx="22"/>
+          </p:nvPr>
+        </p:nvSpPr>
+        <p:spPr>
+          <a:xfrm>
+            <a:off x="6573518" y="1129854"/>
+            <a:ext cx="5067620" cy="303774"/>
+          </a:xfrm>
+        </p:spPr>
+        <p:txBody>
+          <a:bodyPr/>
+          <a:lstStyle/>
+          <a:p>
+            <a:r>
+              <a:rPr lang="en-US" dirty="0" err="1"/>
+              <a:t>Porque</a:t>
+            </a:r>
+            <a:r>
+              <a:rPr lang="en-US" dirty="0"/>
+              <a:t> </a:t>
+            </a:r>
+            <a:r>
+              <a:rPr lang="en-US" dirty="0" err="1"/>
+              <a:t>ele</a:t>
+            </a:r>
+            <a:r>
+              <a:rPr lang="en-US" dirty="0"/>
+              <a:t> </a:t>
+            </a:r>
+            <a:r>
+              <a:rPr lang="en-US" dirty="0" err="1"/>
+              <a:t>difere</a:t>
+            </a:r>
+            <a:r>
+              <a:rPr lang="en-US" dirty="0"/>
+              <a:t> de </a:t>
+            </a:r>
+            <a:r>
+              <a:rPr lang="en-US" dirty="0" err="1"/>
+              <a:t>Dataframes</a:t>
+            </a:r>
+            <a:r>
+              <a:rPr lang="en-US" dirty="0"/>
+              <a:t> </a:t>
+            </a:r>
+            <a:r>
+              <a:rPr lang="en-US" dirty="0" err="1"/>
+              <a:t>comuns</a:t>
+            </a:r>
+            <a:r>
+              <a:rPr lang="en-US" dirty="0"/>
+              <a:t>?</a:t>
+            </a:r>
+          </a:p>
+        </p:txBody>
+      </p:sp>
+      <p:sp>
+        <p:nvSpPr>
+          <p:cNvPr id="3" name="Text Placeholder 2">
+            <a:extLst>
+              <a:ext uri="{FF2B5EF4-FFF2-40B4-BE49-F238E27FC236}">
+                <a16:creationId xmlns:a16="http://schemas.microsoft.com/office/drawing/2014/main" id="{94E06F86-0196-AEA9-AF25-F617CCD8C357}"/>
+              </a:ext>
+            </a:extLst>
+          </p:cNvPr>
+          <p:cNvSpPr>
+            <a:spLocks noGrp="1"/>
+          </p:cNvSpPr>
+          <p:nvPr>
+            <p:ph type="body" sz="quarter" idx="24"/>
+          </p:nvPr>
+        </p:nvSpPr>
+        <p:spPr>
+          <a:xfrm>
+            <a:off x="6573517" y="1952624"/>
+            <a:ext cx="5067620" cy="3398705"/>
+          </a:xfrm>
+        </p:spPr>
+        <p:txBody>
+          <a:bodyPr>
+            <a:normAutofit/>
+          </a:bodyPr>
+          <a:lstStyle/>
+          <a:p>
+            <a:pPr marL="0" indent="0">
+              <a:buNone/>
+            </a:pPr>
+            <a:r>
+              <a:rPr lang="pt-BR" dirty="0"/>
+              <a:t>Um </a:t>
+            </a:r>
+            <a:r>
+              <a:rPr lang="pt-BR" dirty="0" err="1"/>
+              <a:t>DataFrame</a:t>
+            </a:r>
+            <a:r>
+              <a:rPr lang="pt-BR" dirty="0"/>
+              <a:t> Spark é um conjunto de dados distribuído composto por dados organizados em linhas e colunas com atributos nomeados.</a:t>
+            </a:r>
+          </a:p>
+          <a:p>
+            <a:pPr marL="0" indent="0">
+              <a:buNone/>
+            </a:pPr>
+            <a:r>
+              <a:rPr lang="pt-BR" dirty="0"/>
+              <a:t>No </a:t>
+            </a:r>
+            <a:r>
+              <a:rPr lang="pt-BR" dirty="0" err="1"/>
+              <a:t>PySpark</a:t>
+            </a:r>
+            <a:r>
+              <a:rPr lang="pt-BR" dirty="0"/>
+              <a:t> compartilha semelhanças com tabelas de bancos de dados relacionais ou data frames do R/Python, mas incorpora otimizações sofisticadas embutidas em seus métodos.</a:t>
+            </a:r>
+            <a:endParaRPr lang="en-US" dirty="0"/>
+          </a:p>
+        </p:txBody>
+      </p:sp>
+      <p:grpSp>
+        <p:nvGrpSpPr>
+          <p:cNvPr id="11" name="Agrupar 10">
+            <a:extLst>
+              <a:ext uri="{FF2B5EF4-FFF2-40B4-BE49-F238E27FC236}">
+                <a16:creationId xmlns:a16="http://schemas.microsoft.com/office/drawing/2014/main" id="{749813B3-3CAA-C64F-7E68-EF415B10ED18}"/>
+              </a:ext>
+            </a:extLst>
+          </p:cNvPr>
+          <p:cNvGrpSpPr/>
+          <p:nvPr/>
+        </p:nvGrpSpPr>
+        <p:grpSpPr>
+          <a:xfrm>
+            <a:off x="8228936" y="3235841"/>
+            <a:ext cx="3219450" cy="3810000"/>
+            <a:chOff x="8228936" y="3235841"/>
+            <a:chExt cx="3219450" cy="3810000"/>
+          </a:xfrm>
+        </p:grpSpPr>
+        <p:pic>
+          <p:nvPicPr>
+            <p:cNvPr id="4100" name="Picture 4">
+              <a:extLst>
+                <a:ext uri="{FF2B5EF4-FFF2-40B4-BE49-F238E27FC236}">
+                  <a16:creationId xmlns:a16="http://schemas.microsoft.com/office/drawing/2014/main" id="{3D9CF376-884F-CF55-2DDA-367C70F84F5D}"/>
+                </a:ext>
+              </a:extLst>
+            </p:cNvPr>
+            <p:cNvPicPr>
+              <a:picLocks noChangeAspect="1" noChangeArrowheads="1"/>
+            </p:cNvPicPr>
+            <p:nvPr/>
+          </p:nvPicPr>
+          <p:blipFill>
+            <a:blip r:embed="rId3">
+              <a:extLst>
+                <a:ext uri="{28A0092B-C50C-407E-A947-70E740481C1C}">
+                  <a14:useLocalDpi xmlns:a14="http://schemas.microsoft.com/office/drawing/2010/main" val="0"/>
+                </a:ext>
+              </a:extLst>
+            </a:blip>
+            <a:srcRect/>
+            <a:stretch>
+              <a:fillRect/>
+            </a:stretch>
+          </p:blipFill>
+          <p:spPr bwMode="auto">
+            <a:xfrm>
+              <a:off x="8228936" y="3235841"/>
+              <a:ext cx="3219450" cy="3810000"/>
+            </a:xfrm>
+            <a:prstGeom prst="rect">
+              <a:avLst/>
+            </a:prstGeom>
+            <a:noFill/>
+            <a:extLst>
+              <a:ext uri="{909E8E84-426E-40DD-AFC4-6F175D3DCCD1}">
+                <a14:hiddenFill xmlns:a14="http://schemas.microsoft.com/office/drawing/2010/main">
+                  <a:solidFill>
+                    <a:srgbClr val="FFFFFF"/>
+                  </a:solidFill>
+                </a14:hiddenFill>
+              </a:ext>
+            </a:extLst>
+          </p:spPr>
+        </p:pic>
+        <p:pic>
+          <p:nvPicPr>
+            <p:cNvPr id="10" name="Imagem 9">
+              <a:extLst>
+                <a:ext uri="{FF2B5EF4-FFF2-40B4-BE49-F238E27FC236}">
+                  <a16:creationId xmlns:a16="http://schemas.microsoft.com/office/drawing/2014/main" id="{43B0B9D8-962B-6510-E021-C92D16F67704}"/>
+                </a:ext>
+              </a:extLst>
+            </p:cNvPr>
+            <p:cNvPicPr>
+              <a:picLocks noChangeAspect="1"/>
+            </p:cNvPicPr>
+            <p:nvPr/>
+          </p:nvPicPr>
+          <p:blipFill>
+            <a:blip r:embed="rId4"/>
+            <a:stretch>
+              <a:fillRect/>
+            </a:stretch>
+          </p:blipFill>
+          <p:spPr>
+            <a:xfrm>
+              <a:off x="8848061" y="4032841"/>
+              <a:ext cx="1981200" cy="876300"/>
+            </a:xfrm>
+            <a:prstGeom prst="rect">
+              <a:avLst/>
+            </a:prstGeom>
+          </p:spPr>
+        </p:pic>
+      </p:grpSp>
+    </p:spTree>
+    <p:extLst>
+      <p:ext uri="{BB962C8B-B14F-4D97-AF65-F5344CB8AC3E}">
+        <p14:creationId xmlns:p14="http://schemas.microsoft.com/office/powerpoint/2010/main" val="2441570047"/>
+      </p:ext>
+    </p:extLst>
+  </p:cSld>
+  <p:clrMapOvr>
+    <a:masterClrMapping/>
+  </p:clrMapOvr>
+  <mc:AlternateContent xmlns:mc="http://schemas.openxmlformats.org/markup-compatibility/2006" xmlns:p14="http://schemas.microsoft.com/office/powerpoint/2010/main">
+    <mc:Choice Requires="p14">
+      <p:transition spd="med" p14:dur="700">
+        <p:fade/>
+      </p:transition>
+    </mc:Choice>
+    <mc:Fallback xmlns="">
+      <p:transition spd="med">
+        <p:fade/>
+      </p:transition>
+    </mc:Fallback>
+  </mc:AlternateContent>
+  <p:timing>
+    <p:tnLst>
+      <p:par>
+        <p:cTn id="1" dur="indefinite" restart="never" nodeType="tmRoot">
+          <p:childTnLst>
+            <p:seq concurrent="1" nextAc="seek">
+              <p:cTn id="2" dur="indefinite" nodeType="mainSeq">
+                <p:childTnLst>
+                  <p:par>
+                    <p:cTn id="3" fill="hold">
+                      <p:stCondLst>
+                        <p:cond delay="indefinite"/>
+                      </p:stCondLst>
+                      <p:childTnLst>
+                        <p:par>
+                          <p:cTn id="4" fill="hold">
+                            <p:stCondLst>
+                              <p:cond delay="0"/>
+                            </p:stCondLst>
+                            <p:childTnLst>
+                              <p:par>
+                                <p:cTn id="5" presetID="2" presetClass="entr" presetSubtype="4" fill="hold" nodeType="clickEffect">
+                                  <p:stCondLst>
+                                    <p:cond delay="0"/>
+                                  </p:stCondLst>
+                                  <p:childTnLst>
+                                    <p:set>
+                                      <p:cBhvr>
+                                        <p:cTn id="6" dur="1" fill="hold">
+                                          <p:stCondLst>
+                                            <p:cond delay="0"/>
+                                          </p:stCondLst>
+                                        </p:cTn>
+                                        <p:tgtEl>
+                                          <p:spTgt spid="11"/>
+                                        </p:tgtEl>
+                                        <p:attrNameLst>
+                                          <p:attrName>style.visibility</p:attrName>
+                                        </p:attrNameLst>
+                                      </p:cBhvr>
+                                      <p:to>
+                                        <p:strVal val="visible"/>
+                                      </p:to>
+                                    </p:set>
+                                    <p:anim calcmode="lin" valueType="num">
+                                      <p:cBhvr additive="base">
+                                        <p:cTn id="7" dur="500" fill="hold"/>
+                                        <p:tgtEl>
+                                          <p:spTgt spid="11"/>
+                                        </p:tgtEl>
+                                        <p:attrNameLst>
+                                          <p:attrName>ppt_x</p:attrName>
+                                        </p:attrNameLst>
+                                      </p:cBhvr>
+                                      <p:tavLst>
+                                        <p:tav tm="0">
+                                          <p:val>
+                                            <p:strVal val="#ppt_x"/>
+                                          </p:val>
+                                        </p:tav>
+                                        <p:tav tm="100000">
+                                          <p:val>
+                                            <p:strVal val="#ppt_x"/>
+                                          </p:val>
+                                        </p:tav>
+                                      </p:tavLst>
+                                    </p:anim>
+                                    <p:anim calcmode="lin" valueType="num">
+                                      <p:cBhvr additive="base">
+                                        <p:cTn id="8" dur="500" fill="hold"/>
+                                        <p:tgtEl>
+                                          <p:spTgt spid="11"/>
+                                        </p:tgtEl>
+                                        <p:attrNameLst>
+                                          <p:attrName>ppt_y</p:attrName>
+                                        </p:attrNameLst>
+                                      </p:cBhvr>
+                                      <p:tavLst>
+                                        <p:tav tm="0">
+                                          <p:val>
+                                            <p:strVal val="1+#ppt_h/2"/>
+                                          </p:val>
+                                        </p:tav>
+                                        <p:tav tm="100000">
+                                          <p:val>
+                                            <p:strVal val="#ppt_y"/>
+                                          </p:val>
+                                        </p:tav>
+                                      </p:tavLst>
+                                    </p:anim>
+                                  </p:childTnLst>
+                                </p:cTn>
+                              </p:par>
+                            </p:childTnLst>
+                          </p:cTn>
+                        </p:par>
+                      </p:childTnLst>
+                    </p:cTn>
+                  </p:par>
+                </p:childTnLst>
+              </p:cTn>
+              <p:prevCondLst>
+                <p:cond evt="onPrev" delay="0">
+                  <p:tgtEl>
+                    <p:sldTgt/>
+                  </p:tgtEl>
+                </p:cond>
+              </p:prevCondLst>
+              <p:nextCondLst>
+                <p:cond evt="onNext" delay="0">
+                  <p:tgtEl>
+                    <p:sldTgt/>
+                  </p:tgtEl>
+                </p:cond>
+              </p:nextCondLst>
+            </p:seq>
+          </p:childTnLst>
+        </p:cTn>
+      </p:par>
+    </p:tnLst>
+  </p:timing>
+</p:sld>
+</file>
+
+<file path=ppt/slides/slide11.xml><?xml version="1.0" encoding="utf-8"?>
+<p:sld xmlns:a="http://schemas.openxmlformats.org/drawingml/2006/main" xmlns:r="http://schemas.openxmlformats.org/officeDocument/2006/relationships" xmlns:p="http://schemas.openxmlformats.org/presentationml/2006/main">
+  <p:cSld>
+    <p:spTree>
+      <p:nvGrpSpPr>
+        <p:cNvPr id="1" name="">
+          <a:extLst>
+            <a:ext uri="{FF2B5EF4-FFF2-40B4-BE49-F238E27FC236}">
               <a16:creationId xmlns:a16="http://schemas.microsoft.com/office/drawing/2014/main" id="{DC4DB152-AECC-632E-CA64-32DC561E1514}"/>
             </a:ext>
           </a:extLst>
@@ -24333,7 +25170,7 @@
 </p:sld>
 </file>
 
-<file path=ppt/slides/slide11.xml><?xml version="1.0" encoding="utf-8"?>
+<file path=ppt/slides/slide12.xml><?xml version="1.0" encoding="utf-8"?>
 <p:sld xmlns:a="http://schemas.openxmlformats.org/drawingml/2006/main" xmlns:r="http://schemas.openxmlformats.org/officeDocument/2006/relationships" xmlns:p="http://schemas.openxmlformats.org/presentationml/2006/main">
   <p:cSld>
     <p:spTree>
@@ -24804,7 +25641,7 @@
 </p:sld>
 </file>
 
-<file path=ppt/slides/slide12.xml><?xml version="1.0" encoding="utf-8"?>
+<file path=ppt/slides/slide13.xml><?xml version="1.0" encoding="utf-8"?>
 <p:sld xmlns:a="http://schemas.openxmlformats.org/drawingml/2006/main" xmlns:r="http://schemas.openxmlformats.org/officeDocument/2006/relationships" xmlns:p="http://schemas.openxmlformats.org/presentationml/2006/main">
   <p:cSld>
     <p:spTree>
@@ -24937,7 +25774,7 @@
 </p:sld>
 </file>
 
-<file path=ppt/slides/slide13.xml><?xml version="1.0" encoding="utf-8"?>
+<file path=ppt/slides/slide14.xml><?xml version="1.0" encoding="utf-8"?>
 <p:sld xmlns:a="http://schemas.openxmlformats.org/drawingml/2006/main" xmlns:r="http://schemas.openxmlformats.org/officeDocument/2006/relationships" xmlns:p="http://schemas.openxmlformats.org/presentationml/2006/main">
   <p:cSld>
     <p:spTree>
@@ -25047,7 +25884,7 @@
         </p:nvSpPr>
         <p:spPr>
           <a:xfrm>
-            <a:off x="2671826" y="1801144"/>
+            <a:off x="554037" y="1794412"/>
             <a:ext cx="6848350" cy="461665"/>
           </a:xfrm>
           <a:prstGeom prst="rect">
@@ -25063,40 +25900,26 @@
           <a:p>
             <a:pPr algn="ctr"/>
             <a:r>
-              <a:rPr lang="pt-BR" sz="2400" b="1" cap="none" spc="0">
-                <a:ln w="22225">
+              <a:rPr lang="pt-BR" sz="2400" b="1" dirty="0">
+                <a:ln w="13462">
                   <a:solidFill>
-                    <a:schemeClr val="accent2"/>
+                    <a:schemeClr val="bg1"/>
                   </a:solidFill>
                   <a:prstDash val="solid"/>
                 </a:ln>
                 <a:solidFill>
-                  <a:schemeClr val="accent2">
-                    <a:lumMod val="40000"/>
-                    <a:lumOff val="60000"/>
+                  <a:schemeClr val="tx1">
+                    <a:lumMod val="85000"/>
+                    <a:lumOff val="15000"/>
                   </a:schemeClr>
                 </a:solidFill>
-                <a:effectLst/>
+                <a:effectLst>
+                  <a:outerShdw dist="38100" dir="2700000" algn="bl" rotWithShape="0">
+                    <a:schemeClr val="accent5"/>
+                  </a:outerShdw>
+                </a:effectLst>
               </a:rPr>
-              <a:t>Qual plataforma </a:t>
-            </a:r>
-            <a:r>
-              <a:rPr lang="pt-BR" sz="2400" b="1" cap="none" spc="0" dirty="0">
-                <a:ln w="22225">
-                  <a:solidFill>
-                    <a:schemeClr val="accent2"/>
-                  </a:solidFill>
-                  <a:prstDash val="solid"/>
-                </a:ln>
-                <a:solidFill>
-                  <a:schemeClr val="accent2">
-                    <a:lumMod val="40000"/>
-                    <a:lumOff val="60000"/>
-                  </a:schemeClr>
-                </a:solidFill>
-                <a:effectLst/>
-              </a:rPr>
-              <a:t>têm mais títulos publicados?</a:t>
+              <a:t>Qual plataforma têm mais títulos publicados?</a:t>
             </a:r>
           </a:p>
         </p:txBody>
@@ -25115,7 +25938,7 @@
         </p:nvSpPr>
         <p:spPr>
           <a:xfrm>
-            <a:off x="3089413" y="2400514"/>
+            <a:off x="971624" y="2393782"/>
             <a:ext cx="6013185" cy="461665"/>
           </a:xfrm>
           <a:prstGeom prst="rect">
@@ -25126,25 +25949,28 @@
         <p:txBody>
           <a:bodyPr wrap="none" lIns="91440" tIns="45720" rIns="91440" bIns="45720">
             <a:spAutoFit/>
+            <a:scene3d>
+              <a:camera prst="orthographicFront"/>
+              <a:lightRig rig="harsh" dir="t"/>
+            </a:scene3d>
+            <a:sp3d extrusionH="57150" prstMaterial="matte">
+              <a:bevelT w="63500" h="12700" prst="angle"/>
+              <a:contourClr>
+                <a:schemeClr val="bg1">
+                  <a:lumMod val="65000"/>
+                </a:schemeClr>
+              </a:contourClr>
+            </a:sp3d>
           </a:bodyPr>
           <a:lstStyle/>
           <a:p>
             <a:pPr algn="ctr"/>
             <a:r>
-              <a:rPr lang="pt-BR" sz="2400" b="1" cap="none" spc="0" dirty="0">
-                <a:ln w="22225">
-                  <a:solidFill>
-                    <a:schemeClr val="accent2"/>
-                  </a:solidFill>
-                  <a:prstDash val="solid"/>
-                </a:ln>
-                <a:solidFill>
-                  <a:schemeClr val="accent2">
-                    <a:lumMod val="40000"/>
-                    <a:lumOff val="60000"/>
-                  </a:schemeClr>
-                </a:solidFill>
-                <a:effectLst/>
+              <a:rPr lang="pt-BR" sz="2400" b="1" dirty="0">
+                <a:ln/>
+                <a:solidFill>
+                  <a:schemeClr val="accent3"/>
+                </a:solidFill>
               </a:rPr>
               <a:t>Qual gênero com maiores publicações?</a:t>
             </a:r>
@@ -25165,7 +25991,7 @@
         </p:nvSpPr>
         <p:spPr>
           <a:xfrm>
-            <a:off x="3432459" y="2999884"/>
+            <a:off x="1314670" y="2993152"/>
             <a:ext cx="5327100" cy="461665"/>
           </a:xfrm>
           <a:prstGeom prst="rect">
@@ -25181,7 +26007,7 @@
           <a:p>
             <a:pPr algn="ctr"/>
             <a:r>
-              <a:rPr lang="pt-BR" sz="2400" b="1" cap="none" spc="0" dirty="0">
+              <a:rPr lang="pt-BR" sz="2400" b="1" dirty="0">
                 <a:ln w="22225">
                   <a:solidFill>
                     <a:schemeClr val="accent2"/>
@@ -25194,7 +26020,6 @@
                     <a:lumOff val="60000"/>
                   </a:schemeClr>
                 </a:solidFill>
-                <a:effectLst/>
               </a:rPr>
               <a:t>Qual a produtora com maior lucro?</a:t>
             </a:r>
@@ -25215,8 +26040,8 @@
         </p:nvSpPr>
         <p:spPr>
           <a:xfrm>
-            <a:off x="2707112" y="3606172"/>
-            <a:ext cx="6777817" cy="461665"/>
+            <a:off x="777676" y="3599440"/>
+            <a:ext cx="6401111" cy="461665"/>
           </a:xfrm>
           <a:prstGeom prst="rect">
             <a:avLst/>
@@ -25231,20 +26056,18 @@
           <a:p>
             <a:pPr algn="ctr"/>
             <a:r>
-              <a:rPr lang="pt-BR" sz="2400" b="1" cap="none" spc="0" dirty="0">
-                <a:ln w="22225">
-                  <a:solidFill>
-                    <a:schemeClr val="accent2"/>
-                  </a:solidFill>
-                  <a:prstDash val="solid"/>
-                </a:ln>
-                <a:solidFill>
-                  <a:schemeClr val="accent2">
-                    <a:lumMod val="40000"/>
-                    <a:lumOff val="60000"/>
-                  </a:schemeClr>
-                </a:solidFill>
-                <a:effectLst/>
+              <a:rPr lang="pt-BR" sz="2400" dirty="0">
+                <a:ln w="0"/>
+                <a:solidFill>
+                  <a:schemeClr val="accent1"/>
+                </a:solidFill>
+                <a:effectLst>
+                  <a:outerShdw blurRad="38100" dist="25400" dir="5400000" algn="ctr" rotWithShape="0">
+                    <a:srgbClr val="6E747A">
+                      <a:alpha val="43000"/>
+                    </a:srgbClr>
+                  </a:outerShdw>
+                </a:effectLst>
               </a:rPr>
               <a:t>Qual o nome do jogo mais vendido em 1994?</a:t>
             </a:r>
@@ -25265,8 +26088,8 @@
         </p:nvSpPr>
         <p:spPr>
           <a:xfrm>
-            <a:off x="2783263" y="4212460"/>
-            <a:ext cx="6625533" cy="461665"/>
+            <a:off x="872262" y="4205728"/>
+            <a:ext cx="6211957" cy="461665"/>
           </a:xfrm>
           <a:prstGeom prst="rect">
             <a:avLst/>
@@ -25281,58 +26104,81 @@
           <a:p>
             <a:pPr algn="ctr"/>
             <a:r>
-              <a:rPr lang="pt-BR" sz="2400" b="1" cap="none" spc="0" dirty="0">
-                <a:ln w="22225">
-                  <a:solidFill>
-                    <a:schemeClr val="accent2"/>
-                  </a:solidFill>
-                  <a:prstDash val="solid"/>
-                </a:ln>
-                <a:solidFill>
-                  <a:schemeClr val="accent2">
-                    <a:lumMod val="40000"/>
-                    <a:lumOff val="60000"/>
-                  </a:schemeClr>
-                </a:solidFill>
-                <a:effectLst/>
+              <a:rPr lang="pt-BR" sz="2400" dirty="0">
+                <a:ln w="0"/>
+                <a:gradFill>
+                  <a:gsLst>
+                    <a:gs pos="0">
+                      <a:schemeClr val="accent5">
+                        <a:lumMod val="50000"/>
+                      </a:schemeClr>
+                    </a:gs>
+                    <a:gs pos="50000">
+                      <a:schemeClr val="accent5"/>
+                    </a:gs>
+                    <a:gs pos="100000">
+                      <a:schemeClr val="accent5">
+                        <a:lumMod val="60000"/>
+                        <a:lumOff val="40000"/>
+                      </a:schemeClr>
+                    </a:gs>
+                  </a:gsLst>
+                  <a:lin ang="5400000"/>
+                </a:gradFill>
+                <a:effectLst>
+                  <a:reflection blurRad="6350" stA="53000" endA="300" endPos="35500" dir="5400000" sy="-90000" algn="bl" rotWithShape="0"/>
+                </a:effectLst>
               </a:rPr>
-              <a:t>Qual o jogo com maiores ve</a:t>
-            </a:r>
-            <a:r>
-              <a:rPr lang="pt-BR" sz="2400" b="1" dirty="0">
-                <a:ln w="22225">
-                  <a:solidFill>
-                    <a:schemeClr val="accent2"/>
-                  </a:solidFill>
-                  <a:prstDash val="solid"/>
-                </a:ln>
-                <a:solidFill>
-                  <a:schemeClr val="accent2">
-                    <a:lumMod val="40000"/>
-                    <a:lumOff val="60000"/>
-                  </a:schemeClr>
-                </a:solidFill>
-              </a:rPr>
-              <a:t>ndas no Japão?</a:t>
-            </a:r>
-            <a:endParaRPr lang="pt-BR" sz="2400" b="1" cap="none" spc="0" dirty="0">
-              <a:ln w="22225">
-                <a:solidFill>
-                  <a:schemeClr val="accent2"/>
-                </a:solidFill>
-                <a:prstDash val="solid"/>
-              </a:ln>
-              <a:solidFill>
-                <a:schemeClr val="accent2">
-                  <a:lumMod val="40000"/>
-                  <a:lumOff val="60000"/>
-                </a:schemeClr>
-              </a:solidFill>
-              <a:effectLst/>
-            </a:endParaRPr>
+              <a:t>Qual o jogo com maiores vendas no Japão?</a:t>
+            </a:r>
           </a:p>
         </p:txBody>
       </p:sp>
+      <p:pic>
+        <p:nvPicPr>
+          <p:cNvPr id="3074" name="Picture 2">
+            <a:extLst>
+              <a:ext uri="{FF2B5EF4-FFF2-40B4-BE49-F238E27FC236}">
+                <a16:creationId xmlns:a16="http://schemas.microsoft.com/office/drawing/2014/main" id="{1AEDFF7A-4861-1E21-501B-A749B08A70FA}"/>
+              </a:ext>
+            </a:extLst>
+          </p:cNvPr>
+          <p:cNvPicPr>
+            <a:picLocks noChangeAspect="1" noChangeArrowheads="1"/>
+          </p:cNvPicPr>
+          <p:nvPr/>
+        </p:nvPicPr>
+        <p:blipFill rotWithShape="1">
+          <a:blip r:embed="rId2">
+            <a:extLst>
+              <a:ext uri="{28A0092B-C50C-407E-A947-70E740481C1C}">
+                <a14:useLocalDpi xmlns:a14="http://schemas.microsoft.com/office/drawing/2010/main" val="0"/>
+              </a:ext>
+            </a:extLst>
+          </a:blip>
+          <a:srcRect l="9271" r="8496" b="3200"/>
+          <a:stretch/>
+        </p:blipFill>
+        <p:spPr bwMode="auto">
+          <a:xfrm>
+            <a:off x="7402387" y="457941"/>
+            <a:ext cx="4699590" cy="5532086"/>
+          </a:xfrm>
+          <a:prstGeom prst="rect">
+            <a:avLst/>
+          </a:prstGeom>
+          <a:noFill/>
+          <a:extLst>
+            <a:ext uri="{909E8E84-426E-40DD-AFC4-6F175D3DCCD1}">
+              <a14:hiddenFill xmlns:a14="http://schemas.microsoft.com/office/drawing/2010/main">
+                <a:solidFill>
+                  <a:srgbClr val="FFFFFF"/>
+                </a:solidFill>
+              </a14:hiddenFill>
+            </a:ext>
+          </a:extLst>
+        </p:spPr>
+      </p:pic>
     </p:spTree>
     <p:extLst>
       <p:ext uri="{BB962C8B-B14F-4D97-AF65-F5344CB8AC3E}">
@@ -25346,7 +26192,7 @@
 </p:sld>
 </file>
 
-<file path=ppt/slides/slide14.xml><?xml version="1.0" encoding="utf-8"?>
+<file path=ppt/slides/slide15.xml><?xml version="1.0" encoding="utf-8"?>
 <p:sld xmlns:a="http://schemas.openxmlformats.org/drawingml/2006/main" xmlns:r="http://schemas.openxmlformats.org/officeDocument/2006/relationships" xmlns:p="http://schemas.openxmlformats.org/presentationml/2006/main">
   <p:cSld>
     <p:spTree>
@@ -25365,10 +26211,10 @@
       </p:grpSpPr>
       <p:pic>
         <p:nvPicPr>
-          <p:cNvPr id="6" name="Espaço Reservado para Imagem 5" descr="Pessoa posando para foto&#10;&#10;Descrição gerada automaticamente">
-            <a:extLst>
-              <a:ext uri="{FF2B5EF4-FFF2-40B4-BE49-F238E27FC236}">
-                <a16:creationId xmlns:a16="http://schemas.microsoft.com/office/drawing/2014/main" id="{A3CBAAB4-E2D4-E871-26FD-404BF9F99AC0}"/>
+          <p:cNvPr id="12" name="Espaço Reservado para Imagem 11" descr="Uma imagem contendo Texto&#10;&#10;Descrição gerada automaticamente">
+            <a:extLst>
+              <a:ext uri="{FF2B5EF4-FFF2-40B4-BE49-F238E27FC236}">
+                <a16:creationId xmlns:a16="http://schemas.microsoft.com/office/drawing/2014/main" id="{5469DF87-638D-4B47-B702-D3C2639E9D1B}"/>
               </a:ext>
             </a:extLst>
           </p:cNvPr>
@@ -25380,24 +26226,23 @@
           </p:nvPr>
         </p:nvPicPr>
         <p:blipFill>
-          <a:blip r:embed="rId2" cstate="screen">
-            <a:extLst>
-              <a:ext uri="{28A0092B-C50C-407E-A947-70E740481C1C}">
-                <a14:useLocalDpi xmlns:a14="http://schemas.microsoft.com/office/drawing/2010/main"/>
-              </a:ext>
-            </a:extLst>
-          </a:blip>
-          <a:srcRect/>
+          <a:blip r:embed="rId2"/>
+          <a:srcRect l="-676" t="-2778" r="221" b="-5830"/>
           <a:stretch/>
         </p:blipFill>
-        <p:spPr/>
+        <p:spPr>
+          <a:xfrm>
+            <a:off x="4383565" y="549275"/>
+            <a:ext cx="5756875" cy="5756873"/>
+          </a:xfrm>
+        </p:spPr>
       </p:pic>
       <p:sp>
         <p:nvSpPr>
-          <p:cNvPr id="5" name="Espaço Reservado para Texto 4">
-            <a:extLst>
-              <a:ext uri="{FF2B5EF4-FFF2-40B4-BE49-F238E27FC236}">
-                <a16:creationId xmlns:a16="http://schemas.microsoft.com/office/drawing/2014/main" id="{C458CC27-4F48-04D5-AD1E-85B7D66922DC}"/>
+          <p:cNvPr id="3" name="Espaço Reservado para Texto 2">
+            <a:extLst>
+              <a:ext uri="{FF2B5EF4-FFF2-40B4-BE49-F238E27FC236}">
+                <a16:creationId xmlns:a16="http://schemas.microsoft.com/office/drawing/2014/main" id="{42059D40-485B-03D0-1D39-90FBEAB73DDB}"/>
               </a:ext>
             </a:extLst>
           </p:cNvPr>
@@ -25415,17 +26260,45 @@
           <a:p>
             <a:r>
               <a:rPr lang="pt-BR" dirty="0"/>
-              <a:t>Obrigado a todos!</a:t>
+              <a:t>Muito Obrigado!!!</a:t>
+            </a:r>
+          </a:p>
+        </p:txBody>
+      </p:sp>
+      <p:sp>
+        <p:nvSpPr>
+          <p:cNvPr id="4" name="Espaço Reservado para Texto 3">
+            <a:extLst>
+              <a:ext uri="{FF2B5EF4-FFF2-40B4-BE49-F238E27FC236}">
+                <a16:creationId xmlns:a16="http://schemas.microsoft.com/office/drawing/2014/main" id="{5151B56F-F004-38A2-02A3-7AEA966AB98B}"/>
+              </a:ext>
+            </a:extLst>
+          </p:cNvPr>
+          <p:cNvSpPr>
+            <a:spLocks noGrp="1"/>
+          </p:cNvSpPr>
+          <p:nvPr>
+            <p:ph type="body" sz="quarter" idx="12"/>
+          </p:nvPr>
+        </p:nvSpPr>
+        <p:spPr/>
+        <p:txBody>
+          <a:bodyPr/>
+          <a:lstStyle/>
+          <a:p>
+            <a:r>
+              <a:rPr lang="pt-BR" dirty="0"/>
+              <a:t>Foi um prazer ter a presença de todos vocês</a:t>
             </a:r>
           </a:p>
         </p:txBody>
       </p:sp>
       <p:pic>
         <p:nvPicPr>
-          <p:cNvPr id="10" name="Gráfico 9">
-            <a:extLst>
-              <a:ext uri="{FF2B5EF4-FFF2-40B4-BE49-F238E27FC236}">
-                <a16:creationId xmlns:a16="http://schemas.microsoft.com/office/drawing/2014/main" id="{EC9D0BF7-691F-011D-6D88-CD0C6B272B91}"/>
+          <p:cNvPr id="5" name="Gráfico 4">
+            <a:extLst>
+              <a:ext uri="{FF2B5EF4-FFF2-40B4-BE49-F238E27FC236}">
+                <a16:creationId xmlns:a16="http://schemas.microsoft.com/office/drawing/2014/main" id="{99572DB6-EC67-A61B-F689-AD3F60A16503}"/>
               </a:ext>
             </a:extLst>
           </p:cNvPr>
@@ -25461,10 +26334,10 @@
       </p:pic>
       <p:pic>
         <p:nvPicPr>
-          <p:cNvPr id="12" name="Gráfico 11">
-            <a:extLst>
-              <a:ext uri="{FF2B5EF4-FFF2-40B4-BE49-F238E27FC236}">
-                <a16:creationId xmlns:a16="http://schemas.microsoft.com/office/drawing/2014/main" id="{2EFEBFAF-1F9A-BDDF-2B5B-62E5C87746EF}"/>
+          <p:cNvPr id="6" name="Gráfico 5">
+            <a:extLst>
+              <a:ext uri="{FF2B5EF4-FFF2-40B4-BE49-F238E27FC236}">
+                <a16:creationId xmlns:a16="http://schemas.microsoft.com/office/drawing/2014/main" id="{65CA9440-7BD5-121F-B0B4-930679A8FE19}"/>
               </a:ext>
             </a:extLst>
           </p:cNvPr>
@@ -25500,10 +26373,10 @@
       </p:pic>
       <p:pic>
         <p:nvPicPr>
-          <p:cNvPr id="14" name="Gráfico 13">
-            <a:extLst>
-              <a:ext uri="{FF2B5EF4-FFF2-40B4-BE49-F238E27FC236}">
-                <a16:creationId xmlns:a16="http://schemas.microsoft.com/office/drawing/2014/main" id="{A6923F13-DF1A-3582-D3CE-C2C917E56BAD}"/>
+          <p:cNvPr id="7" name="Imagem 6" descr="Código QR&#10;&#10;Descrição gerada automaticamente">
+            <a:extLst>
+              <a:ext uri="{FF2B5EF4-FFF2-40B4-BE49-F238E27FC236}">
+                <a16:creationId xmlns:a16="http://schemas.microsoft.com/office/drawing/2014/main" id="{2BC5ED51-2968-B059-41DC-CFD70C47000D}"/>
               </a:ext>
             </a:extLst>
           </p:cNvPr>
@@ -25513,24 +26386,15 @@
           <p:nvPr/>
         </p:nvPicPr>
         <p:blipFill>
-          <a:blip r:embed="rId7" cstate="screen">
-            <a:extLst>
-              <a:ext uri="{28A0092B-C50C-407E-A947-70E740481C1C}">
-                <a14:useLocalDpi xmlns:a14="http://schemas.microsoft.com/office/drawing/2010/main"/>
-              </a:ext>
-              <a:ext uri="{96DAC541-7B7A-43D3-8B79-37D633B846F1}">
-                <asvg:svgBlip xmlns:asvg="http://schemas.microsoft.com/office/drawing/2016/SVG/main" r:embed="rId8"/>
-              </a:ext>
-            </a:extLst>
-          </a:blip>
+          <a:blip r:embed="rId7"/>
           <a:stretch>
             <a:fillRect/>
           </a:stretch>
         </p:blipFill>
         <p:spPr>
           <a:xfrm>
-            <a:off x="10775112" y="5964691"/>
-            <a:ext cx="398818" cy="279172"/>
+            <a:off x="10614520" y="2181918"/>
+            <a:ext cx="720001" cy="720001"/>
           </a:xfrm>
           <a:prstGeom prst="rect">
             <a:avLst/>
@@ -25539,10 +26403,10 @@
       </p:pic>
       <p:pic>
         <p:nvPicPr>
-          <p:cNvPr id="2" name="Gráfico 1">
-            <a:extLst>
-              <a:ext uri="{FF2B5EF4-FFF2-40B4-BE49-F238E27FC236}">
-                <a16:creationId xmlns:a16="http://schemas.microsoft.com/office/drawing/2014/main" id="{0C2FBC0C-897D-54D0-38E0-7736BB79BF58}"/>
+          <p:cNvPr id="8" name="Imagem 7" descr="Código QR&#10;&#10;Descrição gerada automaticamente">
+            <a:extLst>
+              <a:ext uri="{FF2B5EF4-FFF2-40B4-BE49-F238E27FC236}">
+                <a16:creationId xmlns:a16="http://schemas.microsoft.com/office/drawing/2014/main" id="{4A453C97-697C-9429-C2DD-39110D51E7C8}"/>
               </a:ext>
             </a:extLst>
           </p:cNvPr>
@@ -25552,24 +26416,15 @@
           <p:nvPr/>
         </p:nvPicPr>
         <p:blipFill>
-          <a:blip r:embed="rId9">
-            <a:extLst>
-              <a:ext uri="{28A0092B-C50C-407E-A947-70E740481C1C}">
-                <a14:useLocalDpi xmlns:a14="http://schemas.microsoft.com/office/drawing/2010/main"/>
-              </a:ext>
-              <a:ext uri="{96DAC541-7B7A-43D3-8B79-37D633B846F1}">
-                <asvg:svgBlip xmlns:asvg="http://schemas.microsoft.com/office/drawing/2016/SVG/main" r:embed="rId10"/>
-              </a:ext>
-            </a:extLst>
-          </a:blip>
+          <a:blip r:embed="rId8"/>
           <a:stretch>
             <a:fillRect/>
           </a:stretch>
         </p:blipFill>
         <p:spPr>
           <a:xfrm>
-            <a:off x="10667719" y="1386486"/>
-            <a:ext cx="613604" cy="613604"/>
+            <a:off x="10614520" y="3665583"/>
+            <a:ext cx="720000" cy="720000"/>
           </a:xfrm>
           <a:prstGeom prst="rect">
             <a:avLst/>
@@ -25578,182 +26433,96 @@
       </p:pic>
       <p:pic>
         <p:nvPicPr>
-          <p:cNvPr id="3" name="Google Shape;1104;p19">
-            <a:extLst>
-              <a:ext uri="{FF2B5EF4-FFF2-40B4-BE49-F238E27FC236}">
-                <a16:creationId xmlns:a16="http://schemas.microsoft.com/office/drawing/2014/main" id="{969A2E51-6531-04CD-EB01-CA52DA7CBEB0}"/>
-              </a:ext>
-            </a:extLst>
-          </p:cNvPr>
-          <p:cNvPicPr preferRelativeResize="0"/>
+          <p:cNvPr id="9" name="Imagem 8" descr="Código QR&#10;&#10;Descrição gerada automaticamente">
+            <a:extLst>
+              <a:ext uri="{FF2B5EF4-FFF2-40B4-BE49-F238E27FC236}">
+                <a16:creationId xmlns:a16="http://schemas.microsoft.com/office/drawing/2014/main" id="{9827197E-2492-81BD-6608-CA22CFF502E6}"/>
+              </a:ext>
+            </a:extLst>
+          </p:cNvPr>
+          <p:cNvPicPr>
+            <a:picLocks noChangeAspect="1"/>
+          </p:cNvPicPr>
           <p:nvPr/>
         </p:nvPicPr>
-        <p:blipFill rotWithShape="1">
-          <a:blip r:embed="rId11" cstate="screen">
-            <a:alphaModFix/>
-            <a:extLst>
-              <a:ext uri="{28A0092B-C50C-407E-A947-70E740481C1C}">
-                <a14:useLocalDpi xmlns:a14="http://schemas.microsoft.com/office/drawing/2010/main"/>
-              </a:ext>
-            </a:extLst>
-          </a:blip>
-          <a:srcRect/>
-          <a:stretch/>
+        <p:blipFill>
+          <a:blip r:embed="rId9"/>
+          <a:stretch>
+            <a:fillRect/>
+          </a:stretch>
         </p:blipFill>
         <p:spPr>
           <a:xfrm>
-            <a:off x="10614059" y="684563"/>
-            <a:ext cx="720924" cy="720000"/>
+            <a:off x="10614520" y="696549"/>
+            <a:ext cx="720000" cy="720000"/>
+          </a:xfrm>
+          <a:prstGeom prst="rect">
+            <a:avLst/>
+          </a:prstGeom>
+        </p:spPr>
+      </p:pic>
+      <p:pic>
+        <p:nvPicPr>
+          <p:cNvPr id="10" name="Picture 4" descr="GitHub Logo and symbol, meaning, history, PNG, brand">
+            <a:extLst>
+              <a:ext uri="{FF2B5EF4-FFF2-40B4-BE49-F238E27FC236}">
+                <a16:creationId xmlns:a16="http://schemas.microsoft.com/office/drawing/2014/main" id="{53457A8B-6E3C-4D97-D9AE-818A6F96B548}"/>
+              </a:ext>
+            </a:extLst>
+          </p:cNvPr>
+          <p:cNvPicPr>
+            <a:picLocks noChangeAspect="1" noChangeArrowheads="1"/>
+          </p:cNvPicPr>
+          <p:nvPr/>
+        </p:nvPicPr>
+        <p:blipFill>
+          <a:blip r:embed="rId10">
+            <a:lum bright="70000" contrast="-70000"/>
+            <a:extLst>
+              <a:ext uri="{28A0092B-C50C-407E-A947-70E740481C1C}">
+                <a14:useLocalDpi xmlns:a14="http://schemas.microsoft.com/office/drawing/2010/main" val="0"/>
+              </a:ext>
+            </a:extLst>
+          </a:blip>
+          <a:srcRect/>
+          <a:stretch>
+            <a:fillRect/>
+          </a:stretch>
+        </p:blipFill>
+        <p:spPr bwMode="auto">
+          <a:xfrm>
+            <a:off x="10614520" y="1449355"/>
+            <a:ext cx="720000" cy="405000"/>
           </a:xfrm>
           <a:prstGeom prst="rect">
             <a:avLst/>
           </a:prstGeom>
           <a:noFill/>
-          <a:ln>
-            <a:noFill/>
-          </a:ln>
-        </p:spPr>
-      </p:pic>
-      <p:pic>
-        <p:nvPicPr>
-          <p:cNvPr id="4" name="Google Shape;1100;p19">
-            <a:extLst>
-              <a:ext uri="{FF2B5EF4-FFF2-40B4-BE49-F238E27FC236}">
-                <a16:creationId xmlns:a16="http://schemas.microsoft.com/office/drawing/2014/main" id="{50A8FAAC-4F10-A29D-9C33-C6CE1A0DD4C8}"/>
-              </a:ext>
-            </a:extLst>
-          </p:cNvPr>
-          <p:cNvPicPr preferRelativeResize="0"/>
-          <p:nvPr/>
-        </p:nvPicPr>
-        <p:blipFill rotWithShape="1">
-          <a:blip r:embed="rId12" cstate="screen">
-            <a:alphaModFix/>
-            <a:extLst>
-              <a:ext uri="{28A0092B-C50C-407E-A947-70E740481C1C}">
-                <a14:useLocalDpi xmlns:a14="http://schemas.microsoft.com/office/drawing/2010/main"/>
-              </a:ext>
-            </a:extLst>
-          </a:blip>
-          <a:srcRect/>
-          <a:stretch/>
-        </p:blipFill>
-        <p:spPr>
-          <a:xfrm>
-            <a:off x="10564500" y="2132219"/>
-            <a:ext cx="770483" cy="772563"/>
-          </a:xfrm>
-          <a:prstGeom prst="rect">
-            <a:avLst/>
-          </a:prstGeom>
-          <a:noFill/>
-          <a:ln>
-            <a:noFill/>
-          </a:ln>
-        </p:spPr>
-      </p:pic>
-      <p:pic>
-        <p:nvPicPr>
-          <p:cNvPr id="8" name="Google Shape;1093;p19">
-            <a:extLst>
-              <a:ext uri="{FF2B5EF4-FFF2-40B4-BE49-F238E27FC236}">
-                <a16:creationId xmlns:a16="http://schemas.microsoft.com/office/drawing/2014/main" id="{179DA7D1-54DD-0D85-2CF4-42C1D2036F7E}"/>
-              </a:ext>
-            </a:extLst>
-          </p:cNvPr>
-          <p:cNvPicPr preferRelativeResize="0"/>
-          <p:nvPr/>
-        </p:nvPicPr>
-        <p:blipFill rotWithShape="1">
-          <a:blip r:embed="rId13" cstate="screen">
-            <a:alphaModFix/>
-            <a:extLst>
-              <a:ext uri="{28A0092B-C50C-407E-A947-70E740481C1C}">
-                <a14:useLocalDpi xmlns:a14="http://schemas.microsoft.com/office/drawing/2010/main"/>
-              </a:ext>
-            </a:extLst>
-          </a:blip>
-          <a:srcRect/>
-          <a:stretch/>
-        </p:blipFill>
-        <p:spPr>
-          <a:xfrm>
-            <a:off x="10604999" y="5105780"/>
-            <a:ext cx="718209" cy="772563"/>
-          </a:xfrm>
-          <a:prstGeom prst="rect">
-            <a:avLst/>
-          </a:prstGeom>
-          <a:noFill/>
-          <a:ln>
-            <a:noFill/>
-          </a:ln>
-        </p:spPr>
-      </p:pic>
-      <p:pic>
-        <p:nvPicPr>
-          <p:cNvPr id="9" name="Google Shape;1096;p19">
-            <a:extLst>
-              <a:ext uri="{FF2B5EF4-FFF2-40B4-BE49-F238E27FC236}">
-                <a16:creationId xmlns:a16="http://schemas.microsoft.com/office/drawing/2014/main" id="{2CFEAC86-CBE2-E5DC-60CF-13477DCEF720}"/>
-              </a:ext>
-            </a:extLst>
-          </p:cNvPr>
-          <p:cNvPicPr preferRelativeResize="0"/>
-          <p:nvPr/>
-        </p:nvPicPr>
-        <p:blipFill rotWithShape="1">
-          <a:blip r:embed="rId14" cstate="screen">
-            <a:alphaModFix/>
-            <a:extLst>
-              <a:ext uri="{28A0092B-C50C-407E-A947-70E740481C1C}">
-                <a14:useLocalDpi xmlns:a14="http://schemas.microsoft.com/office/drawing/2010/main"/>
-              </a:ext>
-            </a:extLst>
-          </a:blip>
-          <a:srcRect/>
-          <a:stretch/>
-        </p:blipFill>
-        <p:spPr>
-          <a:xfrm>
-            <a:off x="10588449" y="3632439"/>
-            <a:ext cx="720000" cy="720000"/>
-          </a:xfrm>
-          <a:prstGeom prst="rect">
-            <a:avLst/>
-          </a:prstGeom>
-          <a:noFill/>
-          <a:ln>
-            <a:noFill/>
-          </a:ln>
+          <a:extLst>
+            <a:ext uri="{909E8E84-426E-40DD-AFC4-6F175D3DCCD1}">
+              <a14:hiddenFill xmlns:a14="http://schemas.microsoft.com/office/drawing/2010/main">
+                <a:solidFill>
+                  <a:srgbClr val="FFFFFF"/>
+                </a:solidFill>
+              </a14:hiddenFill>
+            </a:ext>
+          </a:extLst>
         </p:spPr>
       </p:pic>
     </p:spTree>
     <p:extLst>
       <p:ext uri="{BB962C8B-B14F-4D97-AF65-F5344CB8AC3E}">
-        <p14:creationId xmlns:p14="http://schemas.microsoft.com/office/powerpoint/2010/main" val="790737639"/>
+        <p14:creationId xmlns:p14="http://schemas.microsoft.com/office/powerpoint/2010/main" val="1603901304"/>
       </p:ext>
     </p:extLst>
   </p:cSld>
   <p:clrMapOvr>
     <a:masterClrMapping/>
   </p:clrMapOvr>
-  <mc:AlternateContent xmlns:mc="http://schemas.openxmlformats.org/markup-compatibility/2006" xmlns:p14="http://schemas.microsoft.com/office/powerpoint/2010/main">
-    <mc:Choice Requires="p14">
-      <p:transition spd="med" p14:dur="700">
-        <p:fade/>
-      </p:transition>
-    </mc:Choice>
-    <mc:Fallback xmlns="">
-      <p:transition spd="med">
-        <p:fade/>
-      </p:transition>
-    </mc:Fallback>
-  </mc:AlternateContent>
 </p:sld>
 </file>
 
-<file path=ppt/slides/slide15.xml><?xml version="1.0" encoding="utf-8"?>
+<file path=ppt/slides/slide16.xml><?xml version="1.0" encoding="utf-8"?>
 <p:sld xmlns:a="http://schemas.openxmlformats.org/drawingml/2006/main" xmlns:r="http://schemas.openxmlformats.org/officeDocument/2006/relationships" xmlns:p="http://schemas.openxmlformats.org/presentationml/2006/main">
   <p:cSld>
     <p:spTree>
@@ -25975,6 +26744,317 @@
   <p:cSld>
     <p:spTree>
       <p:nvGrpSpPr>
+        <p:cNvPr id="1" name=""/>
+        <p:cNvGrpSpPr/>
+        <p:nvPr/>
+      </p:nvGrpSpPr>
+      <p:grpSpPr>
+        <a:xfrm>
+          <a:off x="0" y="0"/>
+          <a:ext cx="0" cy="0"/>
+          <a:chOff x="0" y="0"/>
+          <a:chExt cx="0" cy="0"/>
+        </a:xfrm>
+      </p:grpSpPr>
+      <p:sp>
+        <p:nvSpPr>
+          <p:cNvPr id="5" name="Espaço Reservado para Texto 4">
+            <a:extLst>
+              <a:ext uri="{FF2B5EF4-FFF2-40B4-BE49-F238E27FC236}">
+                <a16:creationId xmlns:a16="http://schemas.microsoft.com/office/drawing/2014/main" id="{C458CC27-4F48-04D5-AD1E-85B7D66922DC}"/>
+              </a:ext>
+            </a:extLst>
+          </p:cNvPr>
+          <p:cNvSpPr>
+            <a:spLocks noGrp="1"/>
+          </p:cNvSpPr>
+          <p:nvPr>
+            <p:ph type="body" sz="quarter" idx="11"/>
+          </p:nvPr>
+        </p:nvSpPr>
+        <p:spPr/>
+        <p:txBody>
+          <a:bodyPr/>
+          <a:lstStyle/>
+          <a:p>
+            <a:r>
+              <a:rPr lang="pt-BR" dirty="0"/>
+              <a:t>Links Uteis.</a:t>
+            </a:r>
+          </a:p>
+        </p:txBody>
+      </p:sp>
+      <p:pic>
+        <p:nvPicPr>
+          <p:cNvPr id="10" name="Gráfico 9">
+            <a:extLst>
+              <a:ext uri="{FF2B5EF4-FFF2-40B4-BE49-F238E27FC236}">
+                <a16:creationId xmlns:a16="http://schemas.microsoft.com/office/drawing/2014/main" id="{EC9D0BF7-691F-011D-6D88-CD0C6B272B91}"/>
+              </a:ext>
+            </a:extLst>
+          </p:cNvPr>
+          <p:cNvPicPr>
+            <a:picLocks noChangeAspect="1"/>
+          </p:cNvPicPr>
+          <p:nvPr/>
+        </p:nvPicPr>
+        <p:blipFill>
+          <a:blip r:embed="rId2" cstate="screen">
+            <a:extLst>
+              <a:ext uri="{28A0092B-C50C-407E-A947-70E740481C1C}">
+                <a14:useLocalDpi xmlns:a14="http://schemas.microsoft.com/office/drawing/2010/main"/>
+              </a:ext>
+              <a:ext uri="{96DAC541-7B7A-43D3-8B79-37D633B846F1}">
+                <asvg:svgBlip xmlns:asvg="http://schemas.microsoft.com/office/drawing/2016/SVG/main" r:embed="rId3"/>
+              </a:ext>
+            </a:extLst>
+          </a:blip>
+          <a:stretch>
+            <a:fillRect/>
+          </a:stretch>
+        </p:blipFill>
+        <p:spPr>
+          <a:xfrm>
+            <a:off x="10799705" y="2945093"/>
+            <a:ext cx="349632" cy="349632"/>
+          </a:xfrm>
+          <a:prstGeom prst="rect">
+            <a:avLst/>
+          </a:prstGeom>
+        </p:spPr>
+      </p:pic>
+      <p:pic>
+        <p:nvPicPr>
+          <p:cNvPr id="12" name="Gráfico 11">
+            <a:extLst>
+              <a:ext uri="{FF2B5EF4-FFF2-40B4-BE49-F238E27FC236}">
+                <a16:creationId xmlns:a16="http://schemas.microsoft.com/office/drawing/2014/main" id="{2EFEBFAF-1F9A-BDDF-2B5B-62E5C87746EF}"/>
+              </a:ext>
+            </a:extLst>
+          </p:cNvPr>
+          <p:cNvPicPr>
+            <a:picLocks noChangeAspect="1"/>
+          </p:cNvPicPr>
+          <p:nvPr/>
+        </p:nvPicPr>
+        <p:blipFill>
+          <a:blip r:embed="rId4" cstate="screen">
+            <a:extLst>
+              <a:ext uri="{28A0092B-C50C-407E-A947-70E740481C1C}">
+                <a14:useLocalDpi xmlns:a14="http://schemas.microsoft.com/office/drawing/2010/main"/>
+              </a:ext>
+              <a:ext uri="{96DAC541-7B7A-43D3-8B79-37D633B846F1}">
+                <asvg:svgBlip xmlns:asvg="http://schemas.microsoft.com/office/drawing/2016/SVG/main" r:embed="rId5"/>
+              </a:ext>
+            </a:extLst>
+          </a:blip>
+          <a:stretch>
+            <a:fillRect/>
+          </a:stretch>
+        </p:blipFill>
+        <p:spPr>
+          <a:xfrm>
+            <a:off x="10797046" y="4418389"/>
+            <a:ext cx="354950" cy="354950"/>
+          </a:xfrm>
+          <a:prstGeom prst="rect">
+            <a:avLst/>
+          </a:prstGeom>
+        </p:spPr>
+      </p:pic>
+      <p:pic>
+        <p:nvPicPr>
+          <p:cNvPr id="7" name="Imagem 6" descr="Código QR&#10;&#10;Descrição gerada automaticamente">
+            <a:extLst>
+              <a:ext uri="{FF2B5EF4-FFF2-40B4-BE49-F238E27FC236}">
+                <a16:creationId xmlns:a16="http://schemas.microsoft.com/office/drawing/2014/main" id="{4D236EB9-4CF6-80FE-0CDB-BA7CA3FD0305}"/>
+              </a:ext>
+            </a:extLst>
+          </p:cNvPr>
+          <p:cNvPicPr>
+            <a:picLocks noChangeAspect="1"/>
+          </p:cNvPicPr>
+          <p:nvPr/>
+        </p:nvPicPr>
+        <p:blipFill>
+          <a:blip r:embed="rId6"/>
+          <a:stretch>
+            <a:fillRect/>
+          </a:stretch>
+        </p:blipFill>
+        <p:spPr>
+          <a:xfrm>
+            <a:off x="10614520" y="2181918"/>
+            <a:ext cx="720001" cy="720001"/>
+          </a:xfrm>
+          <a:prstGeom prst="rect">
+            <a:avLst/>
+          </a:prstGeom>
+        </p:spPr>
+      </p:pic>
+      <p:pic>
+        <p:nvPicPr>
+          <p:cNvPr id="11" name="Imagem 10" descr="Código QR&#10;&#10;Descrição gerada automaticamente">
+            <a:extLst>
+              <a:ext uri="{FF2B5EF4-FFF2-40B4-BE49-F238E27FC236}">
+                <a16:creationId xmlns:a16="http://schemas.microsoft.com/office/drawing/2014/main" id="{7B1D9636-E052-E2A7-23E4-3F86966BB333}"/>
+              </a:ext>
+            </a:extLst>
+          </p:cNvPr>
+          <p:cNvPicPr>
+            <a:picLocks noChangeAspect="1"/>
+          </p:cNvPicPr>
+          <p:nvPr/>
+        </p:nvPicPr>
+        <p:blipFill>
+          <a:blip r:embed="rId7"/>
+          <a:stretch>
+            <a:fillRect/>
+          </a:stretch>
+        </p:blipFill>
+        <p:spPr>
+          <a:xfrm>
+            <a:off x="10614520" y="3665583"/>
+            <a:ext cx="720000" cy="720000"/>
+          </a:xfrm>
+          <a:prstGeom prst="rect">
+            <a:avLst/>
+          </a:prstGeom>
+        </p:spPr>
+      </p:pic>
+      <p:pic>
+        <p:nvPicPr>
+          <p:cNvPr id="13" name="Imagem 12" descr="Código QR&#10;&#10;Descrição gerada automaticamente">
+            <a:extLst>
+              <a:ext uri="{FF2B5EF4-FFF2-40B4-BE49-F238E27FC236}">
+                <a16:creationId xmlns:a16="http://schemas.microsoft.com/office/drawing/2014/main" id="{A72E5364-2B9D-296A-BF44-1592CF6719F9}"/>
+              </a:ext>
+            </a:extLst>
+          </p:cNvPr>
+          <p:cNvPicPr>
+            <a:picLocks noChangeAspect="1"/>
+          </p:cNvPicPr>
+          <p:nvPr/>
+        </p:nvPicPr>
+        <p:blipFill>
+          <a:blip r:embed="rId8"/>
+          <a:stretch>
+            <a:fillRect/>
+          </a:stretch>
+        </p:blipFill>
+        <p:spPr>
+          <a:xfrm>
+            <a:off x="10614520" y="696549"/>
+            <a:ext cx="720000" cy="720000"/>
+          </a:xfrm>
+          <a:prstGeom prst="rect">
+            <a:avLst/>
+          </a:prstGeom>
+        </p:spPr>
+      </p:pic>
+      <p:pic>
+        <p:nvPicPr>
+          <p:cNvPr id="2052" name="Picture 4" descr="GitHub Logo and symbol, meaning, history, PNG, brand">
+            <a:extLst>
+              <a:ext uri="{FF2B5EF4-FFF2-40B4-BE49-F238E27FC236}">
+                <a16:creationId xmlns:a16="http://schemas.microsoft.com/office/drawing/2014/main" id="{A4A5B260-B683-F54A-2E63-B8632B24FBC7}"/>
+              </a:ext>
+            </a:extLst>
+          </p:cNvPr>
+          <p:cNvPicPr>
+            <a:picLocks noChangeAspect="1" noChangeArrowheads="1"/>
+          </p:cNvPicPr>
+          <p:nvPr/>
+        </p:nvPicPr>
+        <p:blipFill>
+          <a:blip r:embed="rId9">
+            <a:lum bright="70000" contrast="-70000"/>
+            <a:extLst>
+              <a:ext uri="{28A0092B-C50C-407E-A947-70E740481C1C}">
+                <a14:useLocalDpi xmlns:a14="http://schemas.microsoft.com/office/drawing/2010/main" val="0"/>
+              </a:ext>
+            </a:extLst>
+          </a:blip>
+          <a:srcRect/>
+          <a:stretch>
+            <a:fillRect/>
+          </a:stretch>
+        </p:blipFill>
+        <p:spPr bwMode="auto">
+          <a:xfrm>
+            <a:off x="10614520" y="1449355"/>
+            <a:ext cx="720000" cy="405000"/>
+          </a:xfrm>
+          <a:prstGeom prst="rect">
+            <a:avLst/>
+          </a:prstGeom>
+          <a:noFill/>
+          <a:extLst>
+            <a:ext uri="{909E8E84-426E-40DD-AFC4-6F175D3DCCD1}">
+              <a14:hiddenFill xmlns:a14="http://schemas.microsoft.com/office/drawing/2010/main">
+                <a:solidFill>
+                  <a:srgbClr val="FFFFFF"/>
+                </a:solidFill>
+              </a14:hiddenFill>
+            </a:ext>
+          </a:extLst>
+        </p:spPr>
+      </p:pic>
+      <p:pic>
+        <p:nvPicPr>
+          <p:cNvPr id="18" name="Espaço Reservado para Imagem 17" descr="Desenho de personagem de desenho animado&#10;&#10;Descrição gerada automaticamente com confiança média">
+            <a:extLst>
+              <a:ext uri="{FF2B5EF4-FFF2-40B4-BE49-F238E27FC236}">
+                <a16:creationId xmlns:a16="http://schemas.microsoft.com/office/drawing/2014/main" id="{784C4845-BE98-B5E2-3E1D-233DBB762457}"/>
+              </a:ext>
+            </a:extLst>
+          </p:cNvPr>
+          <p:cNvPicPr>
+            <a:picLocks noGrp="1" noChangeAspect="1"/>
+          </p:cNvPicPr>
+          <p:nvPr>
+            <p:ph type="pic" sz="quarter" idx="10"/>
+          </p:nvPr>
+        </p:nvPicPr>
+        <p:blipFill>
+          <a:blip r:embed="rId10"/>
+          <a:srcRect t="14" b="14"/>
+          <a:stretch>
+            <a:fillRect/>
+          </a:stretch>
+        </p:blipFill>
+        <p:spPr/>
+      </p:pic>
+    </p:spTree>
+    <p:extLst>
+      <p:ext uri="{BB962C8B-B14F-4D97-AF65-F5344CB8AC3E}">
+        <p14:creationId xmlns:p14="http://schemas.microsoft.com/office/powerpoint/2010/main" val="790737639"/>
+      </p:ext>
+    </p:extLst>
+  </p:cSld>
+  <p:clrMapOvr>
+    <a:masterClrMapping/>
+  </p:clrMapOvr>
+  <mc:AlternateContent xmlns:mc="http://schemas.openxmlformats.org/markup-compatibility/2006" xmlns:p14="http://schemas.microsoft.com/office/powerpoint/2010/main">
+    <mc:Choice Requires="p14">
+      <p:transition spd="med" p14:dur="700">
+        <p:fade/>
+      </p:transition>
+    </mc:Choice>
+    <mc:Fallback xmlns="">
+      <p:transition spd="med">
+        <p:fade/>
+      </p:transition>
+    </mc:Fallback>
+  </mc:AlternateContent>
+</p:sld>
+</file>
+
+<file path=ppt/slides/slide4.xml><?xml version="1.0" encoding="utf-8"?>
+<p:sld xmlns:a="http://schemas.openxmlformats.org/drawingml/2006/main" xmlns:r="http://schemas.openxmlformats.org/officeDocument/2006/relationships" xmlns:p="http://schemas.openxmlformats.org/presentationml/2006/main">
+  <p:cSld>
+    <p:spTree>
+      <p:nvGrpSpPr>
         <p:cNvPr id="1" name="">
           <a:extLst>
             <a:ext uri="{FF2B5EF4-FFF2-40B4-BE49-F238E27FC236}">
@@ -26091,7 +27171,7 @@
 </p:sld>
 </file>
 
-<file path=ppt/slides/slide4.xml><?xml version="1.0" encoding="utf-8"?>
+<file path=ppt/slides/slide5.xml><?xml version="1.0" encoding="utf-8"?>
 <p:sld xmlns:a="http://schemas.openxmlformats.org/drawingml/2006/main" xmlns:r="http://schemas.openxmlformats.org/officeDocument/2006/relationships" xmlns:p="http://schemas.openxmlformats.org/presentationml/2006/main">
   <p:cSld>
     <p:spTree>
@@ -26369,7 +27449,7 @@
 </p:sld>
 </file>
 
-<file path=ppt/slides/slide5.xml><?xml version="1.0" encoding="utf-8"?>
+<file path=ppt/slides/slide6.xml><?xml version="1.0" encoding="utf-8"?>
 <p:sld xmlns:a="http://schemas.openxmlformats.org/drawingml/2006/main" xmlns:r="http://schemas.openxmlformats.org/officeDocument/2006/relationships" xmlns:p="http://schemas.openxmlformats.org/presentationml/2006/main">
   <p:cSld>
     <p:spTree>
@@ -27026,7 +28106,7 @@
 </p:sld>
 </file>
 
-<file path=ppt/slides/slide6.xml><?xml version="1.0" encoding="utf-8"?>
+<file path=ppt/slides/slide7.xml><?xml version="1.0" encoding="utf-8"?>
 <p:sld xmlns:a="http://schemas.openxmlformats.org/drawingml/2006/main" xmlns:r="http://schemas.openxmlformats.org/officeDocument/2006/relationships" xmlns:p="http://schemas.openxmlformats.org/presentationml/2006/main">
   <p:cSld>
     <p:spTree>
@@ -27345,7 +28425,7 @@
 </p:sld>
 </file>
 
-<file path=ppt/slides/slide7.xml><?xml version="1.0" encoding="utf-8"?>
+<file path=ppt/slides/slide8.xml><?xml version="1.0" encoding="utf-8"?>
 <p:sld xmlns:a="http://schemas.openxmlformats.org/drawingml/2006/main" xmlns:r="http://schemas.openxmlformats.org/officeDocument/2006/relationships" xmlns:p="http://schemas.openxmlformats.org/presentationml/2006/main">
   <p:cSld>
     <p:spTree>
@@ -27494,15 +28574,6 @@
           <a:ln>
             <a:noFill/>
           </a:ln>
-          <a:extLst>
-            <a:ext uri="{909E8E84-426E-40DD-AFC4-6F175D3DCCD1}">
-              <a14:hiddenFill xmlns:a14="http://schemas.microsoft.com/office/drawing/2010/main">
-                <a:solidFill>
-                  <a:srgbClr val="FFFFFF"/>
-                </a:solidFill>
-              </a14:hiddenFill>
-            </a:ext>
-          </a:extLst>
         </p:spPr>
       </p:pic>
       <p:pic>
@@ -27790,7 +28861,7 @@
 </p:sld>
 </file>
 
-<file path=ppt/slides/slide8.xml><?xml version="1.0" encoding="utf-8"?>
+<file path=ppt/slides/slide9.xml><?xml version="1.0" encoding="utf-8"?>
 <p:sld xmlns:a="http://schemas.openxmlformats.org/drawingml/2006/main" xmlns:r="http://schemas.openxmlformats.org/officeDocument/2006/relationships" xmlns:p="http://schemas.openxmlformats.org/presentationml/2006/main">
   <p:cSld>
     <p:spTree>
@@ -27870,486 +28941,6 @@
       </p:transition>
     </mc:Fallback>
   </mc:AlternateContent>
-</p:sld>
-</file>
-
-<file path=ppt/slides/slide9.xml><?xml version="1.0" encoding="utf-8"?>
-<p:sld xmlns:a="http://schemas.openxmlformats.org/drawingml/2006/main" xmlns:r="http://schemas.openxmlformats.org/officeDocument/2006/relationships" xmlns:p="http://schemas.openxmlformats.org/presentationml/2006/main">
-  <p:cSld>
-    <p:spTree>
-      <p:nvGrpSpPr>
-        <p:cNvPr id="1" name="">
-          <a:extLst>
-            <a:ext uri="{FF2B5EF4-FFF2-40B4-BE49-F238E27FC236}">
-              <a16:creationId xmlns:a16="http://schemas.microsoft.com/office/drawing/2014/main" id="{1F5C65E6-44DF-5186-67B2-6762B3590BD3}"/>
-            </a:ext>
-          </a:extLst>
-        </p:cNvPr>
-        <p:cNvGrpSpPr/>
-        <p:nvPr/>
-      </p:nvGrpSpPr>
-      <p:grpSpPr>
-        <a:xfrm>
-          <a:off x="0" y="0"/>
-          <a:ext cx="0" cy="0"/>
-          <a:chOff x="0" y="0"/>
-          <a:chExt cx="0" cy="0"/>
-        </a:xfrm>
-      </p:grpSpPr>
-      <p:pic>
-        <p:nvPicPr>
-          <p:cNvPr id="8" name="Espaço Reservado para Imagem 7" descr="Homem com a mão no queixo&#10;&#10;Descrição gerada automaticamente com confiança baixa">
-            <a:extLst>
-              <a:ext uri="{FF2B5EF4-FFF2-40B4-BE49-F238E27FC236}">
-                <a16:creationId xmlns:a16="http://schemas.microsoft.com/office/drawing/2014/main" id="{973E427C-6A18-42CE-6DE7-0C67429A11EB}"/>
-              </a:ext>
-            </a:extLst>
-          </p:cNvPr>
-          <p:cNvPicPr>
-            <a:picLocks noGrp="1" noChangeAspect="1"/>
-          </p:cNvPicPr>
-          <p:nvPr>
-            <p:ph type="pic" idx="20"/>
-          </p:nvPr>
-        </p:nvPicPr>
-        <p:blipFill>
-          <a:blip r:embed="rId2"/>
-          <a:srcRect l="1927" r="10178" b="1"/>
-          <a:stretch/>
-        </p:blipFill>
-        <p:spPr>
-          <a:xfrm>
-            <a:off x="550863" y="549276"/>
-            <a:ext cx="5545137" cy="6308725"/>
-          </a:xfrm>
-          <a:noFill/>
-        </p:spPr>
-      </p:pic>
-      <p:sp>
-        <p:nvSpPr>
-          <p:cNvPr id="2" name="Text Placeholder 1">
-            <a:extLst>
-              <a:ext uri="{FF2B5EF4-FFF2-40B4-BE49-F238E27FC236}">
-                <a16:creationId xmlns:a16="http://schemas.microsoft.com/office/drawing/2014/main" id="{79D5B3BE-6BCE-42BD-CF3C-18627AC8DAFA}"/>
-              </a:ext>
-            </a:extLst>
-          </p:cNvPr>
-          <p:cNvSpPr>
-            <a:spLocks noGrp="1"/>
-          </p:cNvSpPr>
-          <p:nvPr>
-            <p:ph type="body" sz="quarter" idx="21"/>
-          </p:nvPr>
-        </p:nvSpPr>
-        <p:spPr>
-          <a:xfrm>
-            <a:off x="6573518" y="552520"/>
-            <a:ext cx="5067620" cy="451802"/>
-          </a:xfrm>
-        </p:spPr>
-        <p:txBody>
-          <a:bodyPr>
-            <a:normAutofit fontScale="92500"/>
-          </a:bodyPr>
-          <a:lstStyle/>
-          <a:p>
-            <a:pPr>
-              <a:lnSpc>
-                <a:spcPct val="90000"/>
-              </a:lnSpc>
-              <a:spcAft>
-                <a:spcPts val="600"/>
-              </a:spcAft>
-            </a:pPr>
-            <a:r>
-              <a:rPr lang="en-US" dirty="0"/>
-              <a:t>O que é um </a:t>
-            </a:r>
-            <a:r>
-              <a:rPr lang="en-US" dirty="0" err="1"/>
-              <a:t>Dataframe</a:t>
-            </a:r>
-            <a:r>
-              <a:rPr lang="en-US" dirty="0"/>
-              <a:t> Spark?</a:t>
-            </a:r>
-          </a:p>
-        </p:txBody>
-      </p:sp>
-      <p:sp>
-        <p:nvSpPr>
-          <p:cNvPr id="13" name="Text Placeholder 3">
-            <a:extLst>
-              <a:ext uri="{FF2B5EF4-FFF2-40B4-BE49-F238E27FC236}">
-                <a16:creationId xmlns:a16="http://schemas.microsoft.com/office/drawing/2014/main" id="{7EF30E87-02D2-1F8C-43B8-D1501C93CCF9}"/>
-              </a:ext>
-            </a:extLst>
-          </p:cNvPr>
-          <p:cNvSpPr>
-            <a:spLocks noGrp="1"/>
-          </p:cNvSpPr>
-          <p:nvPr>
-            <p:ph type="body" sz="quarter" idx="22"/>
-          </p:nvPr>
-        </p:nvSpPr>
-        <p:spPr>
-          <a:xfrm>
-            <a:off x="6573518" y="1129854"/>
-            <a:ext cx="5067620" cy="303774"/>
-          </a:xfrm>
-        </p:spPr>
-        <p:txBody>
-          <a:bodyPr/>
-          <a:lstStyle/>
-          <a:p>
-            <a:r>
-              <a:rPr lang="en-US" dirty="0" err="1"/>
-              <a:t>Porque</a:t>
-            </a:r>
-            <a:r>
-              <a:rPr lang="en-US" dirty="0"/>
-              <a:t> </a:t>
-            </a:r>
-            <a:r>
-              <a:rPr lang="en-US" dirty="0" err="1"/>
-              <a:t>ele</a:t>
-            </a:r>
-            <a:r>
-              <a:rPr lang="en-US" dirty="0"/>
-              <a:t> </a:t>
-            </a:r>
-            <a:r>
-              <a:rPr lang="en-US" dirty="0" err="1"/>
-              <a:t>difere</a:t>
-            </a:r>
-            <a:r>
-              <a:rPr lang="en-US" dirty="0"/>
-              <a:t> de </a:t>
-            </a:r>
-            <a:r>
-              <a:rPr lang="en-US" dirty="0" err="1"/>
-              <a:t>Dataframes</a:t>
-            </a:r>
-            <a:r>
-              <a:rPr lang="en-US" dirty="0"/>
-              <a:t> </a:t>
-            </a:r>
-            <a:r>
-              <a:rPr lang="en-US" dirty="0" err="1"/>
-              <a:t>comuns</a:t>
-            </a:r>
-            <a:r>
-              <a:rPr lang="en-US" dirty="0"/>
-              <a:t>?</a:t>
-            </a:r>
-          </a:p>
-        </p:txBody>
-      </p:sp>
-      <p:sp>
-        <p:nvSpPr>
-          <p:cNvPr id="3" name="Text Placeholder 2">
-            <a:extLst>
-              <a:ext uri="{FF2B5EF4-FFF2-40B4-BE49-F238E27FC236}">
-                <a16:creationId xmlns:a16="http://schemas.microsoft.com/office/drawing/2014/main" id="{94E06F86-0196-AEA9-AF25-F617CCD8C357}"/>
-              </a:ext>
-            </a:extLst>
-          </p:cNvPr>
-          <p:cNvSpPr>
-            <a:spLocks noGrp="1"/>
-          </p:cNvSpPr>
-          <p:nvPr>
-            <p:ph type="body" sz="quarter" idx="24"/>
-          </p:nvPr>
-        </p:nvSpPr>
-        <p:spPr>
-          <a:xfrm>
-            <a:off x="6573517" y="1952624"/>
-            <a:ext cx="5067620" cy="3398705"/>
-          </a:xfrm>
-        </p:spPr>
-        <p:txBody>
-          <a:bodyPr>
-            <a:normAutofit/>
-          </a:bodyPr>
-          <a:lstStyle/>
-          <a:p>
-            <a:pPr marL="0" indent="0">
-              <a:buNone/>
-            </a:pPr>
-            <a:r>
-              <a:rPr lang="pt-BR" dirty="0"/>
-              <a:t>Um </a:t>
-            </a:r>
-            <a:r>
-              <a:rPr lang="pt-BR" dirty="0" err="1"/>
-              <a:t>DataFrame</a:t>
-            </a:r>
-            <a:r>
-              <a:rPr lang="pt-BR" dirty="0"/>
-              <a:t> Spark é um conjunto de dados distribuído composto por dados organizados em linhas e colunas com atributos nomeados.</a:t>
-            </a:r>
-          </a:p>
-          <a:p>
-            <a:pPr marL="0" indent="0">
-              <a:buNone/>
-            </a:pPr>
-            <a:r>
-              <a:rPr lang="pt-BR" dirty="0"/>
-              <a:t>No </a:t>
-            </a:r>
-            <a:r>
-              <a:rPr lang="pt-BR" dirty="0" err="1"/>
-              <a:t>PySpark</a:t>
-            </a:r>
-            <a:r>
-              <a:rPr lang="pt-BR" dirty="0"/>
-              <a:t> compartilha semelhanças com tabelas de bancos de dados relacionais ou data frames do R/Python, mas incorpora otimizações sofisticadas embutidas em seus métodos.</a:t>
-            </a:r>
-            <a:endParaRPr lang="en-US" dirty="0"/>
-          </a:p>
-        </p:txBody>
-      </p:sp>
-      <p:grpSp>
-        <p:nvGrpSpPr>
-          <p:cNvPr id="11" name="Agrupar 10">
-            <a:extLst>
-              <a:ext uri="{FF2B5EF4-FFF2-40B4-BE49-F238E27FC236}">
-                <a16:creationId xmlns:a16="http://schemas.microsoft.com/office/drawing/2014/main" id="{749813B3-3CAA-C64F-7E68-EF415B10ED18}"/>
-              </a:ext>
-            </a:extLst>
-          </p:cNvPr>
-          <p:cNvGrpSpPr/>
-          <p:nvPr/>
-        </p:nvGrpSpPr>
-        <p:grpSpPr>
-          <a:xfrm>
-            <a:off x="8228936" y="3235841"/>
-            <a:ext cx="3219450" cy="3810000"/>
-            <a:chOff x="8228936" y="3235841"/>
-            <a:chExt cx="3219450" cy="3810000"/>
-          </a:xfrm>
-        </p:grpSpPr>
-        <p:pic>
-          <p:nvPicPr>
-            <p:cNvPr id="4100" name="Picture 4">
-              <a:extLst>
-                <a:ext uri="{FF2B5EF4-FFF2-40B4-BE49-F238E27FC236}">
-                  <a16:creationId xmlns:a16="http://schemas.microsoft.com/office/drawing/2014/main" id="{3D9CF376-884F-CF55-2DDA-367C70F84F5D}"/>
-                </a:ext>
-              </a:extLst>
-            </p:cNvPr>
-            <p:cNvPicPr>
-              <a:picLocks noChangeAspect="1" noChangeArrowheads="1"/>
-            </p:cNvPicPr>
-            <p:nvPr/>
-          </p:nvPicPr>
-          <p:blipFill>
-            <a:blip r:embed="rId3">
-              <a:extLst>
-                <a:ext uri="{28A0092B-C50C-407E-A947-70E740481C1C}">
-                  <a14:useLocalDpi xmlns:a14="http://schemas.microsoft.com/office/drawing/2010/main" val="0"/>
-                </a:ext>
-              </a:extLst>
-            </a:blip>
-            <a:srcRect/>
-            <a:stretch>
-              <a:fillRect/>
-            </a:stretch>
-          </p:blipFill>
-          <p:spPr bwMode="auto">
-            <a:xfrm>
-              <a:off x="8228936" y="3235841"/>
-              <a:ext cx="3219450" cy="3810000"/>
-            </a:xfrm>
-            <a:prstGeom prst="rect">
-              <a:avLst/>
-            </a:prstGeom>
-            <a:noFill/>
-            <a:extLst>
-              <a:ext uri="{909E8E84-426E-40DD-AFC4-6F175D3DCCD1}">
-                <a14:hiddenFill xmlns:a14="http://schemas.microsoft.com/office/drawing/2010/main">
-                  <a:solidFill>
-                    <a:srgbClr val="FFFFFF"/>
-                  </a:solidFill>
-                </a14:hiddenFill>
-              </a:ext>
-            </a:extLst>
-          </p:spPr>
-        </p:pic>
-        <p:pic>
-          <p:nvPicPr>
-            <p:cNvPr id="10" name="Imagem 9">
-              <a:extLst>
-                <a:ext uri="{FF2B5EF4-FFF2-40B4-BE49-F238E27FC236}">
-                  <a16:creationId xmlns:a16="http://schemas.microsoft.com/office/drawing/2014/main" id="{43B0B9D8-962B-6510-E021-C92D16F67704}"/>
-                </a:ext>
-              </a:extLst>
-            </p:cNvPr>
-            <p:cNvPicPr>
-              <a:picLocks noChangeAspect="1"/>
-            </p:cNvPicPr>
-            <p:nvPr/>
-          </p:nvPicPr>
-          <p:blipFill>
-            <a:blip r:embed="rId4"/>
-            <a:stretch>
-              <a:fillRect/>
-            </a:stretch>
-          </p:blipFill>
-          <p:spPr>
-            <a:xfrm>
-              <a:off x="8848061" y="4032841"/>
-              <a:ext cx="1981200" cy="876300"/>
-            </a:xfrm>
-            <a:prstGeom prst="rect">
-              <a:avLst/>
-            </a:prstGeom>
-          </p:spPr>
-        </p:pic>
-      </p:grpSp>
-    </p:spTree>
-    <p:extLst>
-      <p:ext uri="{BB962C8B-B14F-4D97-AF65-F5344CB8AC3E}">
-        <p14:creationId xmlns:p14="http://schemas.microsoft.com/office/powerpoint/2010/main" val="2441570047"/>
-      </p:ext>
-    </p:extLst>
-  </p:cSld>
-  <p:clrMapOvr>
-    <a:masterClrMapping/>
-  </p:clrMapOvr>
-  <mc:AlternateContent xmlns:mc="http://schemas.openxmlformats.org/markup-compatibility/2006" xmlns:p14="http://schemas.microsoft.com/office/powerpoint/2010/main">
-    <mc:Choice Requires="p14">
-      <p:transition spd="med" p14:dur="700">
-        <p:fade/>
-      </p:transition>
-    </mc:Choice>
-    <mc:Fallback xmlns="">
-      <p:transition spd="med">
-        <p:fade/>
-      </p:transition>
-    </mc:Fallback>
-  </mc:AlternateContent>
-  <p:timing>
-    <p:tnLst>
-      <p:par>
-        <p:cTn id="1" dur="indefinite" restart="never" nodeType="tmRoot">
-          <p:childTnLst>
-            <p:seq concurrent="1" nextAc="seek">
-              <p:cTn id="2" dur="indefinite" nodeType="mainSeq">
-                <p:childTnLst>
-                  <p:par>
-                    <p:cTn id="3" fill="hold">
-                      <p:stCondLst>
-                        <p:cond delay="indefinite"/>
-                      </p:stCondLst>
-                      <p:childTnLst>
-                        <p:par>
-                          <p:cTn id="4" fill="hold">
-                            <p:stCondLst>
-                              <p:cond delay="0"/>
-                            </p:stCondLst>
-                            <p:childTnLst>
-                              <p:par>
-                                <p:cTn id="5" presetID="2" presetClass="entr" presetSubtype="4" fill="hold" nodeType="clickEffect">
-                                  <p:stCondLst>
-                                    <p:cond delay="0"/>
-                                  </p:stCondLst>
-                                  <p:childTnLst>
-                                    <p:set>
-                                      <p:cBhvr>
-                                        <p:cTn id="6" dur="1" fill="hold">
-                                          <p:stCondLst>
-                                            <p:cond delay="0"/>
-                                          </p:stCondLst>
-                                        </p:cTn>
-                                        <p:tgtEl>
-                                          <p:spTgt spid="11"/>
-                                        </p:tgtEl>
-                                        <p:attrNameLst>
-                                          <p:attrName>style.visibility</p:attrName>
-                                        </p:attrNameLst>
-                                      </p:cBhvr>
-                                      <p:to>
-                                        <p:strVal val="visible"/>
-                                      </p:to>
-                                    </p:set>
-                                    <p:anim calcmode="lin" valueType="num">
-                                      <p:cBhvr additive="base">
-                                        <p:cTn id="7" dur="500" fill="hold"/>
-                                        <p:tgtEl>
-                                          <p:spTgt spid="11"/>
-                                        </p:tgtEl>
-                                        <p:attrNameLst>
-                                          <p:attrName>ppt_x</p:attrName>
-                                        </p:attrNameLst>
-                                      </p:cBhvr>
-                                      <p:tavLst>
-                                        <p:tav tm="0">
-                                          <p:val>
-                                            <p:strVal val="#ppt_x"/>
-                                          </p:val>
-                                        </p:tav>
-                                        <p:tav tm="100000">
-                                          <p:val>
-                                            <p:strVal val="#ppt_x"/>
-                                          </p:val>
-                                        </p:tav>
-                                      </p:tavLst>
-                                    </p:anim>
-                                    <p:anim calcmode="lin" valueType="num">
-                                      <p:cBhvr additive="base">
-                                        <p:cTn id="8" dur="500" fill="hold"/>
-                                        <p:tgtEl>
-                                          <p:spTgt spid="11"/>
-                                        </p:tgtEl>
-                                        <p:attrNameLst>
-                                          <p:attrName>ppt_y</p:attrName>
-                                        </p:attrNameLst>
-                                      </p:cBhvr>
-                                      <p:tavLst>
-                                        <p:tav tm="0">
-                                          <p:val>
-                                            <p:strVal val="1+#ppt_h/2"/>
-                                          </p:val>
-                                        </p:tav>
-                                        <p:tav tm="100000">
-                                          <p:val>
-                                            <p:strVal val="#ppt_y"/>
-                                          </p:val>
-                                        </p:tav>
-                                      </p:tavLst>
-                                    </p:anim>
-                                  </p:childTnLst>
-                                </p:cTn>
-                              </p:par>
-                            </p:childTnLst>
-                          </p:cTn>
-                        </p:par>
-                      </p:childTnLst>
-                    </p:cTn>
-                  </p:par>
-                </p:childTnLst>
-              </p:cTn>
-              <p:prevCondLst>
-                <p:cond evt="onPrev" delay="0">
-                  <p:tgtEl>
-                    <p:sldTgt/>
-                  </p:tgtEl>
-                </p:cond>
-              </p:prevCondLst>
-              <p:nextCondLst>
-                <p:cond evt="onNext" delay="0">
-                  <p:tgtEl>
-                    <p:sldTgt/>
-                  </p:tgtEl>
-                </p:cond>
-              </p:nextCondLst>
-            </p:seq>
-          </p:childTnLst>
-        </p:cTn>
-      </p:par>
-    </p:tnLst>
-  </p:timing>
 </p:sld>
 </file>
 
